--- a/4th Sem/IOT/Alligator.pptx
+++ b/4th Sem/IOT/Alligator.pptx
@@ -12,14 +12,13 @@
     <p:sldId id="259" r:id="rId6"/>
     <p:sldId id="262" r:id="rId7"/>
     <p:sldId id="263" r:id="rId8"/>
-    <p:sldId id="264" r:id="rId9"/>
-    <p:sldId id="266" r:id="rId10"/>
-    <p:sldId id="267" r:id="rId11"/>
-    <p:sldId id="268" r:id="rId12"/>
-    <p:sldId id="269" r:id="rId13"/>
-    <p:sldId id="270" r:id="rId14"/>
-    <p:sldId id="271" r:id="rId15"/>
-    <p:sldId id="260" r:id="rId16"/>
+    <p:sldId id="267" r:id="rId9"/>
+    <p:sldId id="272" r:id="rId10"/>
+    <p:sldId id="268" r:id="rId11"/>
+    <p:sldId id="269" r:id="rId12"/>
+    <p:sldId id="270" r:id="rId13"/>
+    <p:sldId id="271" r:id="rId14"/>
+    <p:sldId id="260" r:id="rId15"/>
   </p:sldIdLst>
   <p:sldSz cx="12192000" cy="6858000"/>
   <p:notesSz cx="6858000" cy="9144000"/>
@@ -297,7 +296,7 @@
           <a:p>
             <a:fld id="{48A87A34-81AB-432B-8DAE-1953F412C126}" type="datetimeFigureOut">
               <a:rPr lang="en-US" dirty="0"/>
-              <a:t>4/11/2019</a:t>
+              <a:t>5/4/2019</a:t>
             </a:fld>
             <a:endParaRPr lang="en-US" dirty="0"/>
           </a:p>
@@ -604,7 +603,7 @@
           <a:p>
             <a:fld id="{48A87A34-81AB-432B-8DAE-1953F412C126}" type="datetimeFigureOut">
               <a:rPr lang="en-US" dirty="0"/>
-              <a:t>4/11/2019</a:t>
+              <a:t>5/4/2019</a:t>
             </a:fld>
             <a:endParaRPr lang="en-US" dirty="0"/>
           </a:p>
@@ -821,7 +820,7 @@
           <a:p>
             <a:fld id="{48A87A34-81AB-432B-8DAE-1953F412C126}" type="datetimeFigureOut">
               <a:rPr lang="en-US" dirty="0"/>
-              <a:t>4/11/2019</a:t>
+              <a:t>5/4/2019</a:t>
             </a:fld>
             <a:endParaRPr lang="en-US" dirty="0"/>
           </a:p>
@@ -1107,7 +1106,7 @@
           <a:p>
             <a:fld id="{48A87A34-81AB-432B-8DAE-1953F412C126}" type="datetimeFigureOut">
               <a:rPr lang="en-US" dirty="0"/>
-              <a:t>4/11/2019</a:t>
+              <a:t>5/4/2019</a:t>
             </a:fld>
             <a:endParaRPr lang="en-US" dirty="0"/>
           </a:p>
@@ -1556,7 +1555,7 @@
           <a:p>
             <a:fld id="{48A87A34-81AB-432B-8DAE-1953F412C126}" type="datetimeFigureOut">
               <a:rPr lang="en-US" dirty="0"/>
-              <a:t>4/11/2019</a:t>
+              <a:t>5/4/2019</a:t>
             </a:fld>
             <a:endParaRPr lang="en-US" dirty="0"/>
           </a:p>
@@ -2127,7 +2126,7 @@
           <a:p>
             <a:fld id="{48A87A34-81AB-432B-8DAE-1953F412C126}" type="datetimeFigureOut">
               <a:rPr lang="en-US" dirty="0"/>
-              <a:t>4/11/2019</a:t>
+              <a:t>5/4/2019</a:t>
             </a:fld>
             <a:endParaRPr lang="en-US" dirty="0"/>
           </a:p>
@@ -2974,7 +2973,7 @@
           <a:p>
             <a:fld id="{48A87A34-81AB-432B-8DAE-1953F412C126}" type="datetimeFigureOut">
               <a:rPr lang="en-US" dirty="0"/>
-              <a:t>4/11/2019</a:t>
+              <a:t>5/4/2019</a:t>
             </a:fld>
             <a:endParaRPr lang="en-US" dirty="0"/>
           </a:p>
@@ -3174,7 +3173,7 @@
           <a:p>
             <a:fld id="{48A87A34-81AB-432B-8DAE-1953F412C126}" type="datetimeFigureOut">
               <a:rPr lang="en-US" dirty="0"/>
-              <a:t>4/11/2019</a:t>
+              <a:t>5/4/2019</a:t>
             </a:fld>
             <a:endParaRPr lang="en-US" dirty="0"/>
           </a:p>
@@ -3383,7 +3382,7 @@
           <a:p>
             <a:fld id="{48A87A34-81AB-432B-8DAE-1953F412C126}" type="datetimeFigureOut">
               <a:rPr lang="en-US" dirty="0"/>
-              <a:t>4/11/2019</a:t>
+              <a:t>5/4/2019</a:t>
             </a:fld>
             <a:endParaRPr lang="en-US" dirty="0"/>
           </a:p>
@@ -3583,7 +3582,7 @@
           <a:p>
             <a:fld id="{48A87A34-81AB-432B-8DAE-1953F412C126}" type="datetimeFigureOut">
               <a:rPr lang="en-US" dirty="0"/>
-              <a:t>4/11/2019</a:t>
+              <a:t>5/4/2019</a:t>
             </a:fld>
             <a:endParaRPr lang="en-US" dirty="0"/>
           </a:p>
@@ -3858,7 +3857,7 @@
           <a:p>
             <a:fld id="{48A87A34-81AB-432B-8DAE-1953F412C126}" type="datetimeFigureOut">
               <a:rPr lang="en-US" dirty="0"/>
-              <a:t>4/11/2019</a:t>
+              <a:t>5/4/2019</a:t>
             </a:fld>
             <a:endParaRPr lang="en-US" dirty="0"/>
           </a:p>
@@ -4120,7 +4119,7 @@
           <a:p>
             <a:fld id="{48A87A34-81AB-432B-8DAE-1953F412C126}" type="datetimeFigureOut">
               <a:rPr lang="en-US" dirty="0"/>
-              <a:t>4/11/2019</a:t>
+              <a:t>5/4/2019</a:t>
             </a:fld>
             <a:endParaRPr lang="en-US" dirty="0"/>
           </a:p>
@@ -4530,7 +4529,7 @@
           <a:p>
             <a:fld id="{48A87A34-81AB-432B-8DAE-1953F412C126}" type="datetimeFigureOut">
               <a:rPr lang="en-US" dirty="0"/>
-              <a:t>4/11/2019</a:t>
+              <a:t>5/4/2019</a:t>
             </a:fld>
             <a:endParaRPr lang="en-US" dirty="0"/>
           </a:p>
@@ -4673,7 +4672,7 @@
           <a:p>
             <a:fld id="{48A87A34-81AB-432B-8DAE-1953F412C126}" type="datetimeFigureOut">
               <a:rPr lang="en-US" dirty="0"/>
-              <a:t>4/11/2019</a:t>
+              <a:t>5/4/2019</a:t>
             </a:fld>
             <a:endParaRPr lang="en-US" dirty="0"/>
           </a:p>
@@ -4793,7 +4792,7 @@
           <a:p>
             <a:fld id="{48A87A34-81AB-432B-8DAE-1953F412C126}" type="datetimeFigureOut">
               <a:rPr lang="en-US" dirty="0"/>
-              <a:t>4/11/2019</a:t>
+              <a:t>5/4/2019</a:t>
             </a:fld>
             <a:endParaRPr lang="en-US" dirty="0"/>
           </a:p>
@@ -5067,7 +5066,7 @@
           <a:p>
             <a:fld id="{48A87A34-81AB-432B-8DAE-1953F412C126}" type="datetimeFigureOut">
               <a:rPr lang="en-US" dirty="0"/>
-              <a:t>4/11/2019</a:t>
+              <a:t>5/4/2019</a:t>
             </a:fld>
             <a:endParaRPr lang="en-US" dirty="0"/>
           </a:p>
@@ -5374,7 +5373,7 @@
           <a:p>
             <a:fld id="{48A87A34-81AB-432B-8DAE-1953F412C126}" type="datetimeFigureOut">
               <a:rPr lang="en-US" dirty="0"/>
-              <a:t>4/11/2019</a:t>
+              <a:t>5/4/2019</a:t>
             </a:fld>
             <a:endParaRPr lang="en-US" dirty="0"/>
           </a:p>
@@ -5623,7 +5622,7 @@
             <a:fld id="{48A87A34-81AB-432B-8DAE-1953F412C126}" type="datetimeFigureOut">
               <a:rPr lang="en-US" dirty="0"/>
               <a:pPr/>
-              <a:t>4/11/2019</a:t>
+              <a:t>5/4/2019</a:t>
             </a:fld>
             <a:endParaRPr lang="en-US" dirty="0"/>
           </a:p>
@@ -6714,8 +6713,8 @@
         </p:nvSpPr>
         <p:spPr>
           <a:xfrm>
-            <a:off x="1306286" y="618517"/>
-            <a:ext cx="9744891" cy="940317"/>
+            <a:off x="1393371" y="522723"/>
+            <a:ext cx="9544281" cy="1088364"/>
           </a:xfrm>
         </p:spPr>
         <p:txBody>
@@ -6725,97 +6724,79 @@
           <a:lstStyle/>
           <a:p>
             <a:r>
-              <a:rPr lang="en" sz="3200" b="1" dirty="0">
+              <a:rPr lang="en-IN" sz="3200" dirty="0">
                 <a:latin typeface="Verdana" panose="020B0604030504040204" pitchFamily="34" charset="0"/>
                 <a:ea typeface="Verdana" panose="020B0604030504040204" pitchFamily="34" charset="0"/>
               </a:rPr>
-              <a:t>Camera module</a:t>
-            </a:r>
-            <a:endParaRPr lang="en-IN" sz="3200" dirty="0">
-              <a:latin typeface="Verdana" panose="020B0604030504040204" pitchFamily="34" charset="0"/>
-              <a:ea typeface="Verdana" panose="020B0604030504040204" pitchFamily="34" charset="0"/>
-            </a:endParaRPr>
-          </a:p>
-        </p:txBody>
-      </p:sp>
-      <p:sp>
-        <p:nvSpPr>
-          <p:cNvPr id="3" name="Content Placeholder 2"/>
-          <p:cNvSpPr>
-            <a:spLocks noGrp="1"/>
-          </p:cNvSpPr>
-          <p:nvPr>
-            <p:ph sz="quarter" idx="13"/>
-          </p:nvPr>
-        </p:nvSpPr>
-        <p:spPr>
-          <a:xfrm>
-            <a:off x="913774" y="2367092"/>
-            <a:ext cx="6584306" cy="2979971"/>
-          </a:xfrm>
-        </p:spPr>
-        <p:txBody>
-          <a:bodyPr/>
-          <a:lstStyle/>
-          <a:p>
-            <a:r>
-              <a:rPr lang="en-IN" dirty="0">
+              <a:t>	</a:t>
+            </a:r>
+            <a:r>
+              <a:rPr lang="en-IN" sz="3200" b="1" dirty="0" smtClean="0">
                 <a:latin typeface="Verdana" panose="020B0604030504040204" pitchFamily="34" charset="0"/>
                 <a:ea typeface="Verdana" panose="020B0604030504040204" pitchFamily="34" charset="0"/>
               </a:rPr>
-              <a:t>The Raspberry Pi Camera Module v2 is a high quality 5 megapixel Sony IMX219 image sensor custom designed add-on board for Raspberry Pi.</a:t>
-            </a:r>
-          </a:p>
-          <a:p>
-            <a:r>
-              <a:rPr lang="en-IN" dirty="0">
+              <a:t>Functional Requirements </a:t>
+            </a:r>
+            <a:r>
+              <a:rPr lang="en-IN" sz="3200" dirty="0">
                 <a:latin typeface="Verdana" panose="020B0604030504040204" pitchFamily="34" charset="0"/>
                 <a:ea typeface="Verdana" panose="020B0604030504040204" pitchFamily="34" charset="0"/>
               </a:rPr>
-              <a:t>It has the capability to record videos and take pictures at a resolution of </a:t>
-            </a:r>
-            <a:r>
-              <a:rPr lang="en-IN" dirty="0" smtClean="0">
-                <a:latin typeface="Verdana" panose="020B0604030504040204" pitchFamily="34" charset="0"/>
-                <a:ea typeface="Verdana" panose="020B0604030504040204" pitchFamily="34" charset="0"/>
-              </a:rPr>
-              <a:t>5 megapixels.</a:t>
-            </a:r>
-            <a:endParaRPr lang="en-IN" dirty="0">
-              <a:latin typeface="Verdana" panose="020B0604030504040204" pitchFamily="34" charset="0"/>
-              <a:ea typeface="Verdana" panose="020B0604030504040204" pitchFamily="34" charset="0"/>
-            </a:endParaRPr>
-          </a:p>
-        </p:txBody>
-      </p:sp>
-      <p:pic>
-        <p:nvPicPr>
-          <p:cNvPr id="4" name="Picture 3"/>
-          <p:cNvPicPr>
-            <a:picLocks noChangeAspect="1"/>
-          </p:cNvPicPr>
-          <p:nvPr/>
-        </p:nvPicPr>
-        <p:blipFill>
-          <a:blip r:embed="rId2"/>
-          <a:stretch>
-            <a:fillRect/>
-          </a:stretch>
-        </p:blipFill>
-        <p:spPr>
-          <a:xfrm>
-            <a:off x="8092707" y="2367092"/>
-            <a:ext cx="3724826" cy="2877747"/>
-          </a:xfrm>
-          <a:prstGeom prst="rect">
-            <a:avLst/>
-          </a:prstGeom>
-        </p:spPr>
-      </p:pic>
+              <a:t>	 </a:t>
+            </a:r>
+          </a:p>
+        </p:txBody>
+      </p:sp>
+      <p:sp>
+        <p:nvSpPr>
+          <p:cNvPr id="3" name="Content Placeholder 2"/>
+          <p:cNvSpPr>
+            <a:spLocks noGrp="1"/>
+          </p:cNvSpPr>
+          <p:nvPr>
+            <p:ph sz="quarter" idx="13"/>
+          </p:nvPr>
+        </p:nvSpPr>
+        <p:spPr>
+          <a:xfrm>
+            <a:off x="983598" y="1787974"/>
+            <a:ext cx="10363826" cy="3532963"/>
+          </a:xfrm>
+        </p:spPr>
+        <p:txBody>
+          <a:bodyPr/>
+          <a:lstStyle/>
+          <a:p>
+            <a:r>
+              <a:rPr lang="en-IN" dirty="0" smtClean="0"/>
+              <a:t>Detects if there is a motion in the environment.</a:t>
+            </a:r>
+          </a:p>
+          <a:p>
+            <a:r>
+              <a:rPr lang="en-IN" dirty="0" smtClean="0"/>
+              <a:t>Activates the camera and starts recording the surroundings.</a:t>
+            </a:r>
+          </a:p>
+          <a:p>
+            <a:r>
+              <a:rPr lang="en-IN" dirty="0" smtClean="0"/>
+              <a:t>Alerts the authorities.</a:t>
+            </a:r>
+          </a:p>
+          <a:p>
+            <a:r>
+              <a:rPr lang="en-IN" dirty="0" smtClean="0"/>
+              <a:t>Stores the recorded visuals on cloud for future use.</a:t>
+            </a:r>
+            <a:endParaRPr lang="en-IN" dirty="0"/>
+          </a:p>
+        </p:txBody>
+      </p:sp>
     </p:spTree>
     <p:extLst>
       <p:ext uri="{BB962C8B-B14F-4D97-AF65-F5344CB8AC3E}">
-        <p14:creationId xmlns:p14="http://schemas.microsoft.com/office/powerpoint/2010/main" val="3463743039"/>
+        <p14:creationId xmlns:p14="http://schemas.microsoft.com/office/powerpoint/2010/main" val="4122609259"/>
       </p:ext>
     </p:extLst>
   </p:cSld>
@@ -6861,8 +6842,8 @@
         </p:nvSpPr>
         <p:spPr>
           <a:xfrm>
-            <a:off x="1393371" y="522723"/>
-            <a:ext cx="9544281" cy="1088364"/>
+            <a:off x="1332411" y="618518"/>
+            <a:ext cx="9762309" cy="922900"/>
           </a:xfrm>
         </p:spPr>
         <p:txBody>
@@ -6872,79 +6853,124 @@
           <a:lstStyle/>
           <a:p>
             <a:r>
-              <a:rPr lang="en-IN" sz="3200" dirty="0">
+              <a:rPr lang="en" sz="3200" b="1" dirty="0">
                 <a:latin typeface="Verdana" panose="020B0604030504040204" pitchFamily="34" charset="0"/>
                 <a:ea typeface="Verdana" panose="020B0604030504040204" pitchFamily="34" charset="0"/>
               </a:rPr>
-              <a:t>	</a:t>
-            </a:r>
-            <a:r>
-              <a:rPr lang="en-IN" sz="3200" dirty="0" smtClean="0">
+              <a:t>Non- Functional Requirements </a:t>
+            </a:r>
+            <a:endParaRPr lang="en-IN" sz="3200" dirty="0">
+              <a:latin typeface="Verdana" panose="020B0604030504040204" pitchFamily="34" charset="0"/>
+              <a:ea typeface="Verdana" panose="020B0604030504040204" pitchFamily="34" charset="0"/>
+            </a:endParaRPr>
+          </a:p>
+        </p:txBody>
+      </p:sp>
+      <p:sp>
+        <p:nvSpPr>
+          <p:cNvPr id="3" name="Content Placeholder 2"/>
+          <p:cNvSpPr>
+            <a:spLocks noGrp="1"/>
+          </p:cNvSpPr>
+          <p:nvPr>
+            <p:ph sz="quarter" idx="13"/>
+          </p:nvPr>
+        </p:nvSpPr>
+        <p:spPr>
+          <a:xfrm>
+            <a:off x="1031652" y="1783617"/>
+            <a:ext cx="10363826" cy="2753549"/>
+          </a:xfrm>
+        </p:spPr>
+        <p:txBody>
+          <a:bodyPr/>
+          <a:lstStyle/>
+          <a:p>
+            <a:pPr marL="0" lvl="0" indent="0">
+              <a:spcBef>
+                <a:spcPts val="0"/>
+              </a:spcBef>
+              <a:buNone/>
+            </a:pPr>
+            <a:endParaRPr lang="en-IN" dirty="0">
+              <a:latin typeface="Verdana" panose="020B0604030504040204" pitchFamily="34" charset="0"/>
+              <a:ea typeface="Verdana" panose="020B0604030504040204" pitchFamily="34" charset="0"/>
+            </a:endParaRPr>
+          </a:p>
+          <a:p>
+            <a:pPr marL="457200" lvl="0" indent="-342900">
+              <a:spcBef>
+                <a:spcPts val="1600"/>
+              </a:spcBef>
+              <a:buSzPts val="1800"/>
+              <a:buChar char="●"/>
+            </a:pPr>
+            <a:r>
+              <a:rPr lang="en-IN" dirty="0">
                 <a:latin typeface="Verdana" panose="020B0604030504040204" pitchFamily="34" charset="0"/>
                 <a:ea typeface="Verdana" panose="020B0604030504040204" pitchFamily="34" charset="0"/>
               </a:rPr>
-              <a:t>Functional Requirements </a:t>
-            </a:r>
-            <a:r>
-              <a:rPr lang="en-IN" sz="3200" dirty="0">
+              <a:t>Availability</a:t>
+            </a:r>
+          </a:p>
+          <a:p>
+            <a:pPr marL="457200" lvl="0" indent="-342900">
+              <a:spcBef>
+                <a:spcPts val="0"/>
+              </a:spcBef>
+              <a:buSzPts val="1800"/>
+              <a:buChar char="●"/>
+            </a:pPr>
+            <a:r>
+              <a:rPr lang="en-IN" dirty="0">
                 <a:latin typeface="Verdana" panose="020B0604030504040204" pitchFamily="34" charset="0"/>
                 <a:ea typeface="Verdana" panose="020B0604030504040204" pitchFamily="34" charset="0"/>
               </a:rPr>
-              <a:t>	 </a:t>
-            </a:r>
-          </a:p>
-        </p:txBody>
-      </p:sp>
-      <p:sp>
-        <p:nvSpPr>
-          <p:cNvPr id="3" name="Content Placeholder 2"/>
-          <p:cNvSpPr>
-            <a:spLocks noGrp="1"/>
-          </p:cNvSpPr>
-          <p:nvPr>
-            <p:ph sz="quarter" idx="13"/>
-          </p:nvPr>
-        </p:nvSpPr>
-        <p:spPr>
-          <a:xfrm>
-            <a:off x="983598" y="1787974"/>
-            <a:ext cx="10363826" cy="3532963"/>
-          </a:xfrm>
-        </p:spPr>
-        <p:txBody>
-          <a:bodyPr/>
-          <a:lstStyle/>
-          <a:p>
-            <a:r>
-              <a:rPr lang="en-IN" dirty="0" smtClean="0"/>
-              <a:t>Detects if there is a motion in the environment.</a:t>
-            </a:r>
-          </a:p>
-          <a:p>
-            <a:r>
-              <a:rPr lang="en-IN" dirty="0" smtClean="0"/>
-              <a:t>Activates the camera and starts recording the surroundings.</a:t>
-            </a:r>
-          </a:p>
-          <a:p>
-            <a:r>
-              <a:rPr lang="en-IN" dirty="0" smtClean="0"/>
-              <a:t>Alerts the authorities.</a:t>
-            </a:r>
-          </a:p>
-          <a:p>
-            <a:r>
-              <a:rPr lang="en-IN" dirty="0" smtClean="0"/>
-              <a:t>Stores the recorded visuals on cloud for future use.</a:t>
-            </a:r>
-            <a:endParaRPr lang="en-IN" dirty="0"/>
+              <a:t>Maintainability</a:t>
+            </a:r>
+          </a:p>
+          <a:p>
+            <a:pPr marL="457200" lvl="0" indent="-342900">
+              <a:spcBef>
+                <a:spcPts val="0"/>
+              </a:spcBef>
+              <a:buSzPts val="1800"/>
+              <a:buChar char="●"/>
+            </a:pPr>
+            <a:r>
+              <a:rPr lang="en-IN" dirty="0">
+                <a:latin typeface="Verdana" panose="020B0604030504040204" pitchFamily="34" charset="0"/>
+                <a:ea typeface="Verdana" panose="020B0604030504040204" pitchFamily="34" charset="0"/>
+              </a:rPr>
+              <a:t>Performance</a:t>
+            </a:r>
+          </a:p>
+          <a:p>
+            <a:pPr marL="457200" lvl="0" indent="-342900">
+              <a:spcBef>
+                <a:spcPts val="0"/>
+              </a:spcBef>
+              <a:buSzPts val="1800"/>
+              <a:buChar char="●"/>
+            </a:pPr>
+            <a:r>
+              <a:rPr lang="en-IN" dirty="0" smtClean="0">
+                <a:latin typeface="Verdana" panose="020B0604030504040204" pitchFamily="34" charset="0"/>
+                <a:ea typeface="Verdana" panose="020B0604030504040204" pitchFamily="34" charset="0"/>
+              </a:rPr>
+              <a:t>Simplicity</a:t>
+            </a:r>
+            <a:endParaRPr lang="en-IN" dirty="0">
+              <a:latin typeface="Verdana" panose="020B0604030504040204" pitchFamily="34" charset="0"/>
+              <a:ea typeface="Verdana" panose="020B0604030504040204" pitchFamily="34" charset="0"/>
+            </a:endParaRPr>
           </a:p>
         </p:txBody>
       </p:sp>
     </p:spTree>
     <p:extLst>
       <p:ext uri="{BB962C8B-B14F-4D97-AF65-F5344CB8AC3E}">
-        <p14:creationId xmlns:p14="http://schemas.microsoft.com/office/powerpoint/2010/main" val="4122609259"/>
+        <p14:creationId xmlns:p14="http://schemas.microsoft.com/office/powerpoint/2010/main" val="2376614009"/>
       </p:ext>
     </p:extLst>
   </p:cSld>
@@ -6990,8 +7016,8 @@
         </p:nvSpPr>
         <p:spPr>
           <a:xfrm>
-            <a:off x="1332411" y="618518"/>
-            <a:ext cx="9762309" cy="922900"/>
+            <a:off x="1323704" y="618518"/>
+            <a:ext cx="9396548" cy="652934"/>
           </a:xfrm>
         </p:spPr>
         <p:txBody>
@@ -7001,11 +7027,11 @@
           <a:lstStyle/>
           <a:p>
             <a:r>
-              <a:rPr lang="en" sz="3200" b="1" dirty="0">
+              <a:rPr lang="en-IN" sz="3200" dirty="0" smtClean="0">
                 <a:latin typeface="Verdana" panose="020B0604030504040204" pitchFamily="34" charset="0"/>
                 <a:ea typeface="Verdana" panose="020B0604030504040204" pitchFamily="34" charset="0"/>
               </a:rPr>
-              <a:t>Non- Functional Requirements </a:t>
+              <a:t>Block diagram</a:t>
             </a:r>
             <a:endParaRPr lang="en-IN" sz="3200" dirty="0">
               <a:latin typeface="Verdana" panose="020B0604030504040204" pitchFamily="34" charset="0"/>
@@ -7014,111 +7040,39 @@
           </a:p>
         </p:txBody>
       </p:sp>
-      <p:sp>
-        <p:nvSpPr>
-          <p:cNvPr id="3" name="Content Placeholder 2"/>
-          <p:cNvSpPr>
-            <a:spLocks noGrp="1"/>
-          </p:cNvSpPr>
+      <p:pic>
+        <p:nvPicPr>
+          <p:cNvPr id="4" name="Content Placeholder 3"/>
+          <p:cNvPicPr>
+            <a:picLocks noGrp="1" noChangeAspect="1"/>
+          </p:cNvPicPr>
           <p:nvPr>
             <p:ph sz="quarter" idx="13"/>
           </p:nvPr>
-        </p:nvSpPr>
-        <p:spPr>
-          <a:xfrm>
-            <a:off x="1031652" y="1783617"/>
-            <a:ext cx="10363826" cy="2753549"/>
-          </a:xfrm>
-        </p:spPr>
-        <p:txBody>
-          <a:bodyPr/>
-          <a:lstStyle/>
-          <a:p>
-            <a:pPr marL="0" lvl="0" indent="0">
-              <a:spcBef>
-                <a:spcPts val="0"/>
-              </a:spcBef>
-              <a:buNone/>
-            </a:pPr>
-            <a:endParaRPr lang="en-IN" dirty="0">
-              <a:latin typeface="Verdana" panose="020B0604030504040204" pitchFamily="34" charset="0"/>
-              <a:ea typeface="Verdana" panose="020B0604030504040204" pitchFamily="34" charset="0"/>
-            </a:endParaRPr>
-          </a:p>
-          <a:p>
-            <a:pPr marL="457200" lvl="0" indent="-342900">
-              <a:spcBef>
-                <a:spcPts val="1600"/>
-              </a:spcBef>
-              <a:buSzPts val="1800"/>
-              <a:buChar char="●"/>
-            </a:pPr>
-            <a:r>
-              <a:rPr lang="en-IN" dirty="0">
-                <a:latin typeface="Verdana" panose="020B0604030504040204" pitchFamily="34" charset="0"/>
-                <a:ea typeface="Verdana" panose="020B0604030504040204" pitchFamily="34" charset="0"/>
-              </a:rPr>
-              <a:t>Availability</a:t>
-            </a:r>
-          </a:p>
-          <a:p>
-            <a:pPr marL="457200" lvl="0" indent="-342900">
-              <a:spcBef>
-                <a:spcPts val="0"/>
-              </a:spcBef>
-              <a:buSzPts val="1800"/>
-              <a:buChar char="●"/>
-            </a:pPr>
-            <a:r>
-              <a:rPr lang="en-IN" dirty="0">
-                <a:latin typeface="Verdana" panose="020B0604030504040204" pitchFamily="34" charset="0"/>
-                <a:ea typeface="Verdana" panose="020B0604030504040204" pitchFamily="34" charset="0"/>
-              </a:rPr>
-              <a:t>Maintainability</a:t>
-            </a:r>
-          </a:p>
-          <a:p>
-            <a:pPr marL="457200" lvl="0" indent="-342900">
-              <a:spcBef>
-                <a:spcPts val="0"/>
-              </a:spcBef>
-              <a:buSzPts val="1800"/>
-              <a:buChar char="●"/>
-            </a:pPr>
-            <a:r>
-              <a:rPr lang="en-IN" dirty="0">
-                <a:latin typeface="Verdana" panose="020B0604030504040204" pitchFamily="34" charset="0"/>
-                <a:ea typeface="Verdana" panose="020B0604030504040204" pitchFamily="34" charset="0"/>
-              </a:rPr>
-              <a:t>Performance</a:t>
-            </a:r>
-          </a:p>
-          <a:p>
-            <a:pPr marL="457200" lvl="0" indent="-342900">
-              <a:spcBef>
-                <a:spcPts val="0"/>
-              </a:spcBef>
-              <a:buSzPts val="1800"/>
-              <a:buChar char="●"/>
-            </a:pPr>
-            <a:r>
-              <a:rPr lang="en-IN" dirty="0" smtClean="0">
-                <a:latin typeface="Verdana" panose="020B0604030504040204" pitchFamily="34" charset="0"/>
-                <a:ea typeface="Verdana" panose="020B0604030504040204" pitchFamily="34" charset="0"/>
-              </a:rPr>
-              <a:t>Simplicity</a:t>
-            </a:r>
-            <a:endParaRPr lang="en-IN" dirty="0">
-              <a:latin typeface="Verdana" panose="020B0604030504040204" pitchFamily="34" charset="0"/>
-              <a:ea typeface="Verdana" panose="020B0604030504040204" pitchFamily="34" charset="0"/>
-            </a:endParaRPr>
-          </a:p>
-        </p:txBody>
-      </p:sp>
+        </p:nvPicPr>
+        <p:blipFill>
+          <a:blip r:embed="rId2">
+            <a:extLst>
+              <a:ext uri="{28A0092B-C50C-407E-A947-70E740481C1C}">
+                <a14:useLocalDpi xmlns:a14="http://schemas.microsoft.com/office/drawing/2010/main" val="0"/>
+              </a:ext>
+            </a:extLst>
+          </a:blip>
+          <a:stretch>
+            <a:fillRect/>
+          </a:stretch>
+        </p:blipFill>
+        <p:spPr>
+          <a:xfrm>
+            <a:off x="2634344" y="1854925"/>
+            <a:ext cx="6775268" cy="4023359"/>
+          </a:xfrm>
+        </p:spPr>
+      </p:pic>
     </p:spTree>
     <p:extLst>
       <p:ext uri="{BB962C8B-B14F-4D97-AF65-F5344CB8AC3E}">
-        <p14:creationId xmlns:p14="http://schemas.microsoft.com/office/powerpoint/2010/main" val="2376614009"/>
+        <p14:creationId xmlns:p14="http://schemas.microsoft.com/office/powerpoint/2010/main" val="3390460292"/>
       </p:ext>
     </p:extLst>
   </p:cSld>
@@ -7164,108 +7118,6 @@
         </p:nvSpPr>
         <p:spPr>
           <a:xfrm>
-            <a:off x="1323704" y="618518"/>
-            <a:ext cx="9396548" cy="652934"/>
-          </a:xfrm>
-        </p:spPr>
-        <p:txBody>
-          <a:bodyPr>
-            <a:normAutofit/>
-          </a:bodyPr>
-          <a:lstStyle/>
-          <a:p>
-            <a:r>
-              <a:rPr lang="en-IN" sz="3200" dirty="0" smtClean="0">
-                <a:latin typeface="Verdana" panose="020B0604030504040204" pitchFamily="34" charset="0"/>
-                <a:ea typeface="Verdana" panose="020B0604030504040204" pitchFamily="34" charset="0"/>
-              </a:rPr>
-              <a:t>Block diagram</a:t>
-            </a:r>
-            <a:endParaRPr lang="en-IN" sz="3200" dirty="0">
-              <a:latin typeface="Verdana" panose="020B0604030504040204" pitchFamily="34" charset="0"/>
-              <a:ea typeface="Verdana" panose="020B0604030504040204" pitchFamily="34" charset="0"/>
-            </a:endParaRPr>
-          </a:p>
-        </p:txBody>
-      </p:sp>
-      <p:pic>
-        <p:nvPicPr>
-          <p:cNvPr id="4" name="Content Placeholder 3"/>
-          <p:cNvPicPr>
-            <a:picLocks noGrp="1" noChangeAspect="1"/>
-          </p:cNvPicPr>
-          <p:nvPr>
-            <p:ph sz="quarter" idx="13"/>
-          </p:nvPr>
-        </p:nvPicPr>
-        <p:blipFill>
-          <a:blip r:embed="rId2">
-            <a:extLst>
-              <a:ext uri="{28A0092B-C50C-407E-A947-70E740481C1C}">
-                <a14:useLocalDpi xmlns:a14="http://schemas.microsoft.com/office/drawing/2010/main" val="0"/>
-              </a:ext>
-            </a:extLst>
-          </a:blip>
-          <a:stretch>
-            <a:fillRect/>
-          </a:stretch>
-        </p:blipFill>
-        <p:spPr>
-          <a:xfrm>
-            <a:off x="2634344" y="1854925"/>
-            <a:ext cx="6775268" cy="4023359"/>
-          </a:xfrm>
-        </p:spPr>
-      </p:pic>
-    </p:spTree>
-    <p:extLst>
-      <p:ext uri="{BB962C8B-B14F-4D97-AF65-F5344CB8AC3E}">
-        <p14:creationId xmlns:p14="http://schemas.microsoft.com/office/powerpoint/2010/main" val="3390460292"/>
-      </p:ext>
-    </p:extLst>
-  </p:cSld>
-  <p:clrMapOvr>
-    <a:masterClrMapping/>
-  </p:clrMapOvr>
-  <p:timing>
-    <p:tnLst>
-      <p:par>
-        <p:cTn id="1" dur="indefinite" restart="never" nodeType="tmRoot"/>
-      </p:par>
-    </p:tnLst>
-  </p:timing>
-</p:sld>
-</file>
-
-<file path=ppt/slides/slide14.xml><?xml version="1.0" encoding="utf-8"?>
-<p:sld xmlns:a="http://schemas.openxmlformats.org/drawingml/2006/main" xmlns:r="http://schemas.openxmlformats.org/officeDocument/2006/relationships" xmlns:p="http://schemas.openxmlformats.org/presentationml/2006/main">
-  <p:cSld>
-    <p:spTree>
-      <p:nvGrpSpPr>
-        <p:cNvPr id="1" name=""/>
-        <p:cNvGrpSpPr/>
-        <p:nvPr/>
-      </p:nvGrpSpPr>
-      <p:grpSpPr>
-        <a:xfrm>
-          <a:off x="0" y="0"/>
-          <a:ext cx="0" cy="0"/>
-          <a:chOff x="0" y="0"/>
-          <a:chExt cx="0" cy="0"/>
-        </a:xfrm>
-      </p:grpSpPr>
-      <p:sp>
-        <p:nvSpPr>
-          <p:cNvPr id="2" name="Title 1"/>
-          <p:cNvSpPr>
-            <a:spLocks noGrp="1"/>
-          </p:cNvSpPr>
-          <p:nvPr>
-            <p:ph type="title"/>
-          </p:nvPr>
-        </p:nvSpPr>
-        <p:spPr>
-          <a:xfrm>
             <a:off x="1262744" y="235339"/>
             <a:ext cx="9527178" cy="879357"/>
           </a:xfrm>
@@ -7339,7 +7191,7 @@
 </p:sld>
 </file>
 
-<file path=ppt/slides/slide15.xml><?xml version="1.0" encoding="utf-8"?>
+<file path=ppt/slides/slide14.xml><?xml version="1.0" encoding="utf-8"?>
 <p:sld xmlns:a="http://schemas.openxmlformats.org/drawingml/2006/main" xmlns:r="http://schemas.openxmlformats.org/officeDocument/2006/relationships" xmlns:p="http://schemas.openxmlformats.org/presentationml/2006/main">
   <p:cSld>
     <p:spTree>
@@ -8258,16 +8110,12 @@
           <a:p>
             <a:pPr lvl="1"/>
             <a:r>
-              <a:rPr lang="en-US" dirty="0" err="1" smtClean="0">
+              <a:rPr lang="en-US" dirty="0" smtClean="0">
                 <a:latin typeface="Verdana" panose="020B0604030504040204" pitchFamily="34" charset="0"/>
                 <a:ea typeface="Verdana" panose="020B0604030504040204" pitchFamily="34" charset="0"/>
               </a:rPr>
-              <a:t>Wia</a:t>
-            </a:r>
-            <a:endParaRPr lang="en-US" dirty="0" smtClean="0">
-              <a:latin typeface="Verdana" panose="020B0604030504040204" pitchFamily="34" charset="0"/>
-              <a:ea typeface="Verdana" panose="020B0604030504040204" pitchFamily="34" charset="0"/>
-            </a:endParaRPr>
+              <a:t>Dropbox</a:t>
+            </a:r>
           </a:p>
           <a:p>
             <a:r>
@@ -8305,38 +8153,7 @@
                 <a:latin typeface="Verdana" panose="020B0604030504040204" pitchFamily="34" charset="0"/>
                 <a:ea typeface="Verdana" panose="020B0604030504040204" pitchFamily="34" charset="0"/>
               </a:rPr>
-              <a:t>Ultrasonic </a:t>
-            </a:r>
-            <a:r>
-              <a:rPr lang="en-US" dirty="0" smtClean="0">
-                <a:latin typeface="Verdana" panose="020B0604030504040204" pitchFamily="34" charset="0"/>
-                <a:ea typeface="Verdana" panose="020B0604030504040204" pitchFamily="34" charset="0"/>
-              </a:rPr>
-              <a:t>Sensor</a:t>
-            </a:r>
-          </a:p>
-          <a:p>
-            <a:pPr lvl="1"/>
-            <a:r>
-              <a:rPr lang="en-US" dirty="0" smtClean="0">
-                <a:latin typeface="Verdana" panose="020B0604030504040204" pitchFamily="34" charset="0"/>
-                <a:ea typeface="Verdana" panose="020B0604030504040204" pitchFamily="34" charset="0"/>
-              </a:rPr>
               <a:t>PIR Sensor</a:t>
-            </a:r>
-            <a:endParaRPr lang="en-US" dirty="0" smtClean="0">
-              <a:latin typeface="Verdana" panose="020B0604030504040204" pitchFamily="34" charset="0"/>
-              <a:ea typeface="Verdana" panose="020B0604030504040204" pitchFamily="34" charset="0"/>
-            </a:endParaRPr>
-          </a:p>
-          <a:p>
-            <a:pPr lvl="1"/>
-            <a:r>
-              <a:rPr lang="en-US" dirty="0" smtClean="0">
-                <a:latin typeface="Verdana" panose="020B0604030504040204" pitchFamily="34" charset="0"/>
-                <a:ea typeface="Verdana" panose="020B0604030504040204" pitchFamily="34" charset="0"/>
-              </a:rPr>
-              <a:t>Breadboard</a:t>
             </a:r>
           </a:p>
           <a:p>
@@ -8347,16 +8164,6 @@
                 <a:ea typeface="Verdana" panose="020B0604030504040204" pitchFamily="34" charset="0"/>
               </a:rPr>
               <a:t>Jumper Wires</a:t>
-            </a:r>
-          </a:p>
-          <a:p>
-            <a:pPr lvl="1"/>
-            <a:r>
-              <a:rPr lang="en-US" dirty="0" smtClean="0">
-                <a:latin typeface="Verdana" panose="020B0604030504040204" pitchFamily="34" charset="0"/>
-                <a:ea typeface="Verdana" panose="020B0604030504040204" pitchFamily="34" charset="0"/>
-              </a:rPr>
-              <a:t>A housing for the camera</a:t>
             </a:r>
           </a:p>
         </p:txBody>
@@ -8461,7 +8268,21 @@
                 <a:latin typeface="Verdana" panose="020B0604030504040204" pitchFamily="34" charset="0"/>
                 <a:ea typeface="Verdana" panose="020B0604030504040204" pitchFamily="34" charset="0"/>
               </a:rPr>
-              <a:t>The Raspberry Pi 3 Model B+ is the </a:t>
+              <a:t>The Raspberry Pi 3 Model </a:t>
+            </a:r>
+            <a:r>
+              <a:rPr lang="en-IN" sz="1800" dirty="0" smtClean="0">
+                <a:latin typeface="Verdana" panose="020B0604030504040204" pitchFamily="34" charset="0"/>
+                <a:ea typeface="Verdana" panose="020B0604030504040204" pitchFamily="34" charset="0"/>
+              </a:rPr>
+              <a:t>B </a:t>
+            </a:r>
+            <a:r>
+              <a:rPr lang="en-IN" sz="1800" dirty="0">
+                <a:latin typeface="Verdana" panose="020B0604030504040204" pitchFamily="34" charset="0"/>
+                <a:ea typeface="Verdana" panose="020B0604030504040204" pitchFamily="34" charset="0"/>
+              </a:rPr>
+              <a:t>is the </a:t>
             </a:r>
             <a:r>
               <a:rPr lang="en-IN" sz="1800" dirty="0" smtClean="0">
@@ -8615,13 +8436,13 @@
           <a:lstStyle/>
           <a:p>
             <a:r>
-              <a:rPr lang="en-IN" sz="3200" dirty="0" smtClean="0">
+              <a:rPr lang="en-IN" sz="3200" b="1" dirty="0" smtClean="0">
                 <a:latin typeface="Verdana" panose="020B0604030504040204" pitchFamily="34" charset="0"/>
                 <a:ea typeface="Verdana" panose="020B0604030504040204" pitchFamily="34" charset="0"/>
               </a:rPr>
-              <a:t>Ultrasonic sensor</a:t>
-            </a:r>
-            <a:endParaRPr lang="en-IN" sz="3200" dirty="0">
+              <a:t>PIR sensor</a:t>
+            </a:r>
+            <a:endParaRPr lang="en-IN" sz="3200" b="1" dirty="0">
               <a:latin typeface="Verdana" panose="020B0604030504040204" pitchFamily="34" charset="0"/>
               <a:ea typeface="Verdana" panose="020B0604030504040204" pitchFamily="34" charset="0"/>
             </a:endParaRPr>
@@ -8640,12 +8461,14 @@
         </p:nvSpPr>
         <p:spPr>
           <a:xfrm>
-            <a:off x="913775" y="1992623"/>
-            <a:ext cx="6148251" cy="3424107"/>
-          </a:xfrm>
-        </p:spPr>
-        <p:txBody>
-          <a:bodyPr/>
+            <a:off x="330927" y="1992623"/>
+            <a:ext cx="7384868" cy="4712977"/>
+          </a:xfrm>
+        </p:spPr>
+        <p:txBody>
+          <a:bodyPr>
+            <a:normAutofit/>
+          </a:bodyPr>
           <a:lstStyle/>
           <a:p>
             <a:r>
@@ -8653,7 +8476,7 @@
                 <a:latin typeface="Verdana" panose="020B0604030504040204" pitchFamily="34" charset="0"/>
                 <a:ea typeface="Verdana" panose="020B0604030504040204" pitchFamily="34" charset="0"/>
               </a:rPr>
-              <a:t>the hc-sr04 ultrasonic sensor uses sonar to determine distance to an object. </a:t>
+              <a:t>A passive infrared sensor (pir sensor) is an electronic sensor that measures infrared (ir) light radiating from objects in its field of view. They are most often used in pir-based motion detectors.</a:t>
             </a:r>
           </a:p>
           <a:p>
@@ -8662,7 +8485,21 @@
                 <a:latin typeface="Verdana" panose="020B0604030504040204" pitchFamily="34" charset="0"/>
                 <a:ea typeface="Verdana" panose="020B0604030504040204" pitchFamily="34" charset="0"/>
               </a:rPr>
-              <a:t>It offers excellent non-contact range detection with high accuracy and stable readings in an easy-to-use package. </a:t>
+              <a:t>The term </a:t>
+            </a:r>
+            <a:r>
+              <a:rPr lang="en-IN" i="1" dirty="0" smtClean="0">
+                <a:latin typeface="Verdana" panose="020B0604030504040204" pitchFamily="34" charset="0"/>
+                <a:ea typeface="Verdana" panose="020B0604030504040204" pitchFamily="34" charset="0"/>
+              </a:rPr>
+              <a:t>passive</a:t>
+            </a:r>
+            <a:r>
+              <a:rPr lang="en-IN" dirty="0" smtClean="0">
+                <a:latin typeface="Verdana" panose="020B0604030504040204" pitchFamily="34" charset="0"/>
+                <a:ea typeface="Verdana" panose="020B0604030504040204" pitchFamily="34" charset="0"/>
+              </a:rPr>
+              <a:t> refers to the fact that pir devices do not radiate energy for detection purposes. They work entirely by detecting infrared radiation (radiant heat) emitted by or reflected from objects.</a:t>
             </a:r>
             <a:endParaRPr lang="en-IN" dirty="0">
               <a:latin typeface="Verdana" panose="020B0604030504040204" pitchFamily="34" charset="0"/>
@@ -8673,7 +8510,7 @@
       </p:sp>
       <p:pic>
         <p:nvPicPr>
-          <p:cNvPr id="4" name="Picture 3"/>
+          <p:cNvPr id="5" name="Picture 4"/>
           <p:cNvPicPr>
             <a:picLocks noChangeAspect="1"/>
           </p:cNvPicPr>
@@ -8687,8 +8524,8 @@
         </p:blipFill>
         <p:spPr>
           <a:xfrm>
-            <a:off x="8081554" y="2179790"/>
-            <a:ext cx="3579223" cy="2544676"/>
+            <a:off x="7994469" y="1992623"/>
+            <a:ext cx="3710940" cy="3781161"/>
           </a:xfrm>
           <a:prstGeom prst="rect">
             <a:avLst/>
@@ -8744,8 +8581,8 @@
         </p:nvSpPr>
         <p:spPr>
           <a:xfrm>
-            <a:off x="1219200" y="618518"/>
-            <a:ext cx="9884230" cy="861940"/>
+            <a:off x="1306286" y="618517"/>
+            <a:ext cx="9744891" cy="940317"/>
           </a:xfrm>
         </p:spPr>
         <p:txBody>
@@ -8755,11 +8592,11 @@
           <a:lstStyle/>
           <a:p>
             <a:r>
-              <a:rPr lang="en" sz="3200" dirty="0">
+              <a:rPr lang="en" sz="3200" b="1" dirty="0">
                 <a:latin typeface="Verdana" panose="020B0604030504040204" pitchFamily="34" charset="0"/>
                 <a:ea typeface="Verdana" panose="020B0604030504040204" pitchFamily="34" charset="0"/>
               </a:rPr>
-              <a:t>Wia</a:t>
+              <a:t>Camera module</a:t>
             </a:r>
             <a:endParaRPr lang="en-IN" sz="3200" dirty="0">
               <a:latin typeface="Verdana" panose="020B0604030504040204" pitchFamily="34" charset="0"/>
@@ -8780,8 +8617,8 @@
         </p:nvSpPr>
         <p:spPr>
           <a:xfrm>
-            <a:off x="909733" y="1679112"/>
-            <a:ext cx="6292255" cy="3424107"/>
+            <a:off x="913774" y="2367092"/>
+            <a:ext cx="6584306" cy="2979971"/>
           </a:xfrm>
         </p:spPr>
         <p:txBody>
@@ -8793,7 +8630,7 @@
                 <a:latin typeface="Verdana" panose="020B0604030504040204" pitchFamily="34" charset="0"/>
                 <a:ea typeface="Verdana" panose="020B0604030504040204" pitchFamily="34" charset="0"/>
               </a:rPr>
-              <a:t>It is an Internet Of Things  cloud platform to enable developers to turn various sensor-based hardware into fully fledged IoT devices.</a:t>
+              <a:t>The Raspberry Pi Camera Module v2 is a high quality 5 megapixel Sony IMX219 image sensor custom designed add-on board for Raspberry Pi.</a:t>
             </a:r>
           </a:p>
           <a:p>
@@ -8802,22 +8639,19 @@
                 <a:latin typeface="Verdana" panose="020B0604030504040204" pitchFamily="34" charset="0"/>
                 <a:ea typeface="Verdana" panose="020B0604030504040204" pitchFamily="34" charset="0"/>
               </a:rPr>
-              <a:t>This allows your simple devices to communicate with each </a:t>
+              <a:t>It has the capability to record videos and take pictures at a resolution of </a:t>
             </a:r>
             <a:r>
               <a:rPr lang="en-IN" dirty="0" smtClean="0">
                 <a:latin typeface="Verdana" panose="020B0604030504040204" pitchFamily="34" charset="0"/>
                 <a:ea typeface="Verdana" panose="020B0604030504040204" pitchFamily="34" charset="0"/>
               </a:rPr>
-              <a:t>other.</a:t>
+              <a:t>5 megapixels.</a:t>
             </a:r>
             <a:endParaRPr lang="en-IN" dirty="0">
               <a:latin typeface="Verdana" panose="020B0604030504040204" pitchFamily="34" charset="0"/>
               <a:ea typeface="Verdana" panose="020B0604030504040204" pitchFamily="34" charset="0"/>
             </a:endParaRPr>
-          </a:p>
-          <a:p>
-            <a:endParaRPr lang="en-IN" dirty="0"/>
           </a:p>
         </p:txBody>
       </p:sp>
@@ -8837,8 +8671,8 @@
         </p:blipFill>
         <p:spPr>
           <a:xfrm>
-            <a:off x="7689494" y="1679112"/>
-            <a:ext cx="4023709" cy="2591025"/>
+            <a:off x="8092707" y="2367092"/>
+            <a:ext cx="3724826" cy="2877747"/>
           </a:xfrm>
           <a:prstGeom prst="rect">
             <a:avLst/>
@@ -8848,7 +8682,7 @@
     </p:spTree>
     <p:extLst>
       <p:ext uri="{BB962C8B-B14F-4D97-AF65-F5344CB8AC3E}">
-        <p14:creationId xmlns:p14="http://schemas.microsoft.com/office/powerpoint/2010/main" val="4215461645"/>
+        <p14:creationId xmlns:p14="http://schemas.microsoft.com/office/powerpoint/2010/main" val="3463743039"/>
       </p:ext>
     </p:extLst>
   </p:cSld>
@@ -8894,24 +8728,22 @@
         </p:nvSpPr>
         <p:spPr>
           <a:xfrm>
-            <a:off x="1249367" y="566265"/>
-            <a:ext cx="9692640" cy="940317"/>
-          </a:xfrm>
-        </p:spPr>
-        <p:txBody>
-          <a:bodyPr>
-            <a:normAutofit/>
-          </a:bodyPr>
+            <a:off x="1254034" y="574974"/>
+            <a:ext cx="9849395" cy="1027403"/>
+          </a:xfrm>
+        </p:spPr>
+        <p:txBody>
+          <a:bodyPr/>
           <a:lstStyle/>
           <a:p>
             <a:r>
-              <a:rPr lang="en" sz="3200" b="1" dirty="0">
+              <a:rPr lang="en-IN" b="1" dirty="0" smtClean="0">
                 <a:latin typeface="Verdana" panose="020B0604030504040204" pitchFamily="34" charset="0"/>
                 <a:ea typeface="Verdana" panose="020B0604030504040204" pitchFamily="34" charset="0"/>
               </a:rPr>
-              <a:t>Breadboard	</a:t>
-            </a:r>
-            <a:endParaRPr lang="en-IN" sz="3200" dirty="0">
+              <a:t>dropbox</a:t>
+            </a:r>
+            <a:endParaRPr lang="en-IN" b="1" dirty="0">
               <a:latin typeface="Verdana" panose="020B0604030504040204" pitchFamily="34" charset="0"/>
               <a:ea typeface="Verdana" panose="020B0604030504040204" pitchFamily="34" charset="0"/>
             </a:endParaRPr>
@@ -8930,8 +8762,8 @@
         </p:nvSpPr>
         <p:spPr>
           <a:xfrm>
-            <a:off x="1070528" y="2462887"/>
-            <a:ext cx="7045860" cy="1682393"/>
+            <a:off x="913774" y="2367092"/>
+            <a:ext cx="6793312" cy="3424107"/>
           </a:xfrm>
         </p:spPr>
         <p:txBody>
@@ -8939,11 +8771,14 @@
           <a:lstStyle/>
           <a:p>
             <a:r>
-              <a:rPr lang="en-IN" dirty="0">
-                <a:latin typeface="Verdana" panose="020B0604030504040204" pitchFamily="34" charset="0"/>
-                <a:ea typeface="Verdana" panose="020B0604030504040204" pitchFamily="34" charset="0"/>
-              </a:rPr>
-              <a:t>A breadboard is a solderless device for temporary prototype with electronics and test circuit designs. </a:t>
+              <a:rPr lang="en-IN" dirty="0" smtClean="0"/>
+              <a:t>Dropbox is a file hoisting service operated by the American company dropbox Inc. that offers cloud storage.</a:t>
+            </a:r>
+          </a:p>
+          <a:p>
+            <a:r>
+              <a:rPr lang="en-IN" dirty="0" smtClean="0"/>
+              <a:t>Dropbox helps us to store the captured images onto the cloud.</a:t>
             </a:r>
           </a:p>
         </p:txBody>
@@ -8964,8 +8799,8 @@
         </p:blipFill>
         <p:spPr>
           <a:xfrm>
-            <a:off x="8705843" y="1968943"/>
-            <a:ext cx="2670279" cy="2670279"/>
+            <a:off x="8652646" y="2367092"/>
+            <a:ext cx="2219325" cy="2057400"/>
           </a:xfrm>
           <a:prstGeom prst="rect">
             <a:avLst/>
@@ -8975,20 +8810,13 @@
     </p:spTree>
     <p:extLst>
       <p:ext uri="{BB962C8B-B14F-4D97-AF65-F5344CB8AC3E}">
-        <p14:creationId xmlns:p14="http://schemas.microsoft.com/office/powerpoint/2010/main" val="51713366"/>
+        <p14:creationId xmlns:p14="http://schemas.microsoft.com/office/powerpoint/2010/main" val="823687493"/>
       </p:ext>
     </p:extLst>
   </p:cSld>
   <p:clrMapOvr>
     <a:masterClrMapping/>
   </p:clrMapOvr>
-  <p:timing>
-    <p:tnLst>
-      <p:par>
-        <p:cTn id="1" dur="indefinite" restart="never" nodeType="tmRoot"/>
-      </p:par>
-    </p:tnLst>
-  </p:timing>
 </p:sld>
 </file>
 

--- a/4th Sem/IOT/Alligator.pptx
+++ b/4th Sem/IOT/Alligator.pptx
@@ -16,9 +16,11 @@
     <p:sldId id="272" r:id="rId10"/>
     <p:sldId id="268" r:id="rId11"/>
     <p:sldId id="269" r:id="rId12"/>
-    <p:sldId id="270" r:id="rId13"/>
-    <p:sldId id="271" r:id="rId14"/>
-    <p:sldId id="260" r:id="rId15"/>
+    <p:sldId id="274" r:id="rId13"/>
+    <p:sldId id="270" r:id="rId14"/>
+    <p:sldId id="271" r:id="rId15"/>
+    <p:sldId id="273" r:id="rId16"/>
+    <p:sldId id="260" r:id="rId17"/>
   </p:sldIdLst>
   <p:sldSz cx="12192000" cy="6858000"/>
   <p:notesSz cx="6858000" cy="9144000"/>
@@ -296,7 +298,7 @@
           <a:p>
             <a:fld id="{48A87A34-81AB-432B-8DAE-1953F412C126}" type="datetimeFigureOut">
               <a:rPr lang="en-US" dirty="0"/>
-              <a:t>5/4/2019</a:t>
+              <a:t>5/13/2019</a:t>
             </a:fld>
             <a:endParaRPr lang="en-US" dirty="0"/>
           </a:p>
@@ -603,7 +605,7 @@
           <a:p>
             <a:fld id="{48A87A34-81AB-432B-8DAE-1953F412C126}" type="datetimeFigureOut">
               <a:rPr lang="en-US" dirty="0"/>
-              <a:t>5/4/2019</a:t>
+              <a:t>5/13/2019</a:t>
             </a:fld>
             <a:endParaRPr lang="en-US" dirty="0"/>
           </a:p>
@@ -820,7 +822,7 @@
           <a:p>
             <a:fld id="{48A87A34-81AB-432B-8DAE-1953F412C126}" type="datetimeFigureOut">
               <a:rPr lang="en-US" dirty="0"/>
-              <a:t>5/4/2019</a:t>
+              <a:t>5/13/2019</a:t>
             </a:fld>
             <a:endParaRPr lang="en-US" dirty="0"/>
           </a:p>
@@ -1106,7 +1108,7 @@
           <a:p>
             <a:fld id="{48A87A34-81AB-432B-8DAE-1953F412C126}" type="datetimeFigureOut">
               <a:rPr lang="en-US" dirty="0"/>
-              <a:t>5/4/2019</a:t>
+              <a:t>5/13/2019</a:t>
             </a:fld>
             <a:endParaRPr lang="en-US" dirty="0"/>
           </a:p>
@@ -1555,7 +1557,7 @@
           <a:p>
             <a:fld id="{48A87A34-81AB-432B-8DAE-1953F412C126}" type="datetimeFigureOut">
               <a:rPr lang="en-US" dirty="0"/>
-              <a:t>5/4/2019</a:t>
+              <a:t>5/13/2019</a:t>
             </a:fld>
             <a:endParaRPr lang="en-US" dirty="0"/>
           </a:p>
@@ -2126,7 +2128,7 @@
           <a:p>
             <a:fld id="{48A87A34-81AB-432B-8DAE-1953F412C126}" type="datetimeFigureOut">
               <a:rPr lang="en-US" dirty="0"/>
-              <a:t>5/4/2019</a:t>
+              <a:t>5/13/2019</a:t>
             </a:fld>
             <a:endParaRPr lang="en-US" dirty="0"/>
           </a:p>
@@ -2973,7 +2975,7 @@
           <a:p>
             <a:fld id="{48A87A34-81AB-432B-8DAE-1953F412C126}" type="datetimeFigureOut">
               <a:rPr lang="en-US" dirty="0"/>
-              <a:t>5/4/2019</a:t>
+              <a:t>5/13/2019</a:t>
             </a:fld>
             <a:endParaRPr lang="en-US" dirty="0"/>
           </a:p>
@@ -3173,7 +3175,7 @@
           <a:p>
             <a:fld id="{48A87A34-81AB-432B-8DAE-1953F412C126}" type="datetimeFigureOut">
               <a:rPr lang="en-US" dirty="0"/>
-              <a:t>5/4/2019</a:t>
+              <a:t>5/13/2019</a:t>
             </a:fld>
             <a:endParaRPr lang="en-US" dirty="0"/>
           </a:p>
@@ -3382,7 +3384,7 @@
           <a:p>
             <a:fld id="{48A87A34-81AB-432B-8DAE-1953F412C126}" type="datetimeFigureOut">
               <a:rPr lang="en-US" dirty="0"/>
-              <a:t>5/4/2019</a:t>
+              <a:t>5/13/2019</a:t>
             </a:fld>
             <a:endParaRPr lang="en-US" dirty="0"/>
           </a:p>
@@ -3582,7 +3584,7 @@
           <a:p>
             <a:fld id="{48A87A34-81AB-432B-8DAE-1953F412C126}" type="datetimeFigureOut">
               <a:rPr lang="en-US" dirty="0"/>
-              <a:t>5/4/2019</a:t>
+              <a:t>5/13/2019</a:t>
             </a:fld>
             <a:endParaRPr lang="en-US" dirty="0"/>
           </a:p>
@@ -3857,7 +3859,7 @@
           <a:p>
             <a:fld id="{48A87A34-81AB-432B-8DAE-1953F412C126}" type="datetimeFigureOut">
               <a:rPr lang="en-US" dirty="0"/>
-              <a:t>5/4/2019</a:t>
+              <a:t>5/13/2019</a:t>
             </a:fld>
             <a:endParaRPr lang="en-US" dirty="0"/>
           </a:p>
@@ -4119,7 +4121,7 @@
           <a:p>
             <a:fld id="{48A87A34-81AB-432B-8DAE-1953F412C126}" type="datetimeFigureOut">
               <a:rPr lang="en-US" dirty="0"/>
-              <a:t>5/4/2019</a:t>
+              <a:t>5/13/2019</a:t>
             </a:fld>
             <a:endParaRPr lang="en-US" dirty="0"/>
           </a:p>
@@ -4529,7 +4531,7 @@
           <a:p>
             <a:fld id="{48A87A34-81AB-432B-8DAE-1953F412C126}" type="datetimeFigureOut">
               <a:rPr lang="en-US" dirty="0"/>
-              <a:t>5/4/2019</a:t>
+              <a:t>5/13/2019</a:t>
             </a:fld>
             <a:endParaRPr lang="en-US" dirty="0"/>
           </a:p>
@@ -4672,7 +4674,7 @@
           <a:p>
             <a:fld id="{48A87A34-81AB-432B-8DAE-1953F412C126}" type="datetimeFigureOut">
               <a:rPr lang="en-US" dirty="0"/>
-              <a:t>5/4/2019</a:t>
+              <a:t>5/13/2019</a:t>
             </a:fld>
             <a:endParaRPr lang="en-US" dirty="0"/>
           </a:p>
@@ -4792,7 +4794,7 @@
           <a:p>
             <a:fld id="{48A87A34-81AB-432B-8DAE-1953F412C126}" type="datetimeFigureOut">
               <a:rPr lang="en-US" dirty="0"/>
-              <a:t>5/4/2019</a:t>
+              <a:t>5/13/2019</a:t>
             </a:fld>
             <a:endParaRPr lang="en-US" dirty="0"/>
           </a:p>
@@ -5066,7 +5068,7 @@
           <a:p>
             <a:fld id="{48A87A34-81AB-432B-8DAE-1953F412C126}" type="datetimeFigureOut">
               <a:rPr lang="en-US" dirty="0"/>
-              <a:t>5/4/2019</a:t>
+              <a:t>5/13/2019</a:t>
             </a:fld>
             <a:endParaRPr lang="en-US" dirty="0"/>
           </a:p>
@@ -5373,7 +5375,7 @@
           <a:p>
             <a:fld id="{48A87A34-81AB-432B-8DAE-1953F412C126}" type="datetimeFigureOut">
               <a:rPr lang="en-US" dirty="0"/>
-              <a:t>5/4/2019</a:t>
+              <a:t>5/13/2019</a:t>
             </a:fld>
             <a:endParaRPr lang="en-US" dirty="0"/>
           </a:p>
@@ -5622,7 +5624,7 @@
             <a:fld id="{48A87A34-81AB-432B-8DAE-1953F412C126}" type="datetimeFigureOut">
               <a:rPr lang="en-US" dirty="0"/>
               <a:pPr/>
-              <a:t>5/4/2019</a:t>
+              <a:t>5/13/2019</a:t>
             </a:fld>
             <a:endParaRPr lang="en-US" dirty="0"/>
           </a:p>
@@ -6759,37 +6761,56 @@
         </p:nvSpPr>
         <p:spPr>
           <a:xfrm>
-            <a:off x="983598" y="1787974"/>
-            <a:ext cx="10363826" cy="3532963"/>
+            <a:off x="983598" y="2545620"/>
+            <a:ext cx="10363826" cy="2069923"/>
           </a:xfrm>
         </p:spPr>
         <p:txBody>
           <a:bodyPr/>
           <a:lstStyle/>
           <a:p>
-            <a:r>
-              <a:rPr lang="en-IN" dirty="0" smtClean="0"/>
+            <a:pPr algn="just"/>
+            <a:r>
+              <a:rPr lang="en-IN" dirty="0" smtClean="0">
+                <a:latin typeface="Verdana" panose="020B0604030504040204" pitchFamily="34" charset="0"/>
+                <a:ea typeface="Verdana" panose="020B0604030504040204" pitchFamily="34" charset="0"/>
+              </a:rPr>
               <a:t>Detects if there is a motion in the environment.</a:t>
             </a:r>
           </a:p>
           <a:p>
-            <a:r>
-              <a:rPr lang="en-IN" dirty="0" smtClean="0"/>
+            <a:pPr algn="just"/>
+            <a:r>
+              <a:rPr lang="en-IN" dirty="0" smtClean="0">
+                <a:latin typeface="Verdana" panose="020B0604030504040204" pitchFamily="34" charset="0"/>
+                <a:ea typeface="Verdana" panose="020B0604030504040204" pitchFamily="34" charset="0"/>
+              </a:rPr>
               <a:t>Activates the camera and starts recording the surroundings.</a:t>
             </a:r>
           </a:p>
           <a:p>
-            <a:r>
-              <a:rPr lang="en-IN" dirty="0" smtClean="0"/>
+            <a:pPr algn="just"/>
+            <a:r>
+              <a:rPr lang="en-IN" dirty="0" smtClean="0">
+                <a:latin typeface="Verdana" panose="020B0604030504040204" pitchFamily="34" charset="0"/>
+                <a:ea typeface="Verdana" panose="020B0604030504040204" pitchFamily="34" charset="0"/>
+              </a:rPr>
               <a:t>Alerts the authorities.</a:t>
             </a:r>
           </a:p>
           <a:p>
-            <a:r>
-              <a:rPr lang="en-IN" dirty="0" smtClean="0"/>
+            <a:pPr algn="just"/>
+            <a:r>
+              <a:rPr lang="en-IN" dirty="0" smtClean="0">
+                <a:latin typeface="Verdana" panose="020B0604030504040204" pitchFamily="34" charset="0"/>
+                <a:ea typeface="Verdana" panose="020B0604030504040204" pitchFamily="34" charset="0"/>
+              </a:rPr>
               <a:t>Stores the recorded visuals on cloud for future use.</a:t>
             </a:r>
-            <a:endParaRPr lang="en-IN" dirty="0"/>
+            <a:endParaRPr lang="en-IN" dirty="0">
+              <a:latin typeface="Verdana" panose="020B0604030504040204" pitchFamily="34" charset="0"/>
+              <a:ea typeface="Verdana" panose="020B0604030504040204" pitchFamily="34" charset="0"/>
+            </a:endParaRPr>
           </a:p>
         </p:txBody>
       </p:sp>
@@ -6878,8 +6899,8 @@
         </p:nvSpPr>
         <p:spPr>
           <a:xfrm>
-            <a:off x="1031652" y="1783617"/>
-            <a:ext cx="10363826" cy="2753549"/>
+            <a:off x="1031652" y="2029097"/>
+            <a:ext cx="10363826" cy="2473234"/>
           </a:xfrm>
         </p:spPr>
         <p:txBody>
@@ -7016,24 +7037,22 @@
         </p:nvSpPr>
         <p:spPr>
           <a:xfrm>
-            <a:off x="1323704" y="618518"/>
-            <a:ext cx="9396548" cy="652934"/>
-          </a:xfrm>
-        </p:spPr>
-        <p:txBody>
-          <a:bodyPr>
-            <a:normAutofit/>
-          </a:bodyPr>
+            <a:off x="1402079" y="627227"/>
+            <a:ext cx="9318171" cy="609392"/>
+          </a:xfrm>
+        </p:spPr>
+        <p:txBody>
+          <a:bodyPr/>
           <a:lstStyle/>
           <a:p>
             <a:r>
-              <a:rPr lang="en-IN" sz="3200" dirty="0" smtClean="0">
-                <a:latin typeface="Verdana" panose="020B0604030504040204" pitchFamily="34" charset="0"/>
-                <a:ea typeface="Verdana" panose="020B0604030504040204" pitchFamily="34" charset="0"/>
-              </a:rPr>
-              <a:t>Block diagram</a:t>
-            </a:r>
-            <a:endParaRPr lang="en-IN" sz="3200" dirty="0">
+              <a:rPr lang="en-IN" dirty="0" smtClean="0">
+                <a:latin typeface="Verdana" panose="020B0604030504040204" pitchFamily="34" charset="0"/>
+                <a:ea typeface="Verdana" panose="020B0604030504040204" pitchFamily="34" charset="0"/>
+              </a:rPr>
+              <a:t>CIRCUIT DIAGRAM</a:t>
+            </a:r>
+            <a:endParaRPr lang="en-IN" dirty="0">
               <a:latin typeface="Verdana" panose="020B0604030504040204" pitchFamily="34" charset="0"/>
               <a:ea typeface="Verdana" panose="020B0604030504040204" pitchFamily="34" charset="0"/>
             </a:endParaRPr>
@@ -7042,7 +7061,7 @@
       </p:sp>
       <p:pic>
         <p:nvPicPr>
-          <p:cNvPr id="4" name="Content Placeholder 3"/>
+          <p:cNvPr id="5" name="Content Placeholder 4"/>
           <p:cNvPicPr>
             <a:picLocks noGrp="1" noChangeAspect="1"/>
           </p:cNvPicPr>
@@ -7064,8 +7083,103 @@
         </p:blipFill>
         <p:spPr>
           <a:xfrm>
-            <a:off x="2634344" y="1854925"/>
-            <a:ext cx="6775268" cy="4023359"/>
+            <a:off x="3884024" y="1645920"/>
+            <a:ext cx="4406536" cy="4946469"/>
+          </a:xfrm>
+        </p:spPr>
+      </p:pic>
+    </p:spTree>
+    <p:extLst>
+      <p:ext uri="{BB962C8B-B14F-4D97-AF65-F5344CB8AC3E}">
+        <p14:creationId xmlns:p14="http://schemas.microsoft.com/office/powerpoint/2010/main" val="1941883450"/>
+      </p:ext>
+    </p:extLst>
+  </p:cSld>
+  <p:clrMapOvr>
+    <a:masterClrMapping/>
+  </p:clrMapOvr>
+</p:sld>
+</file>
+
+<file path=ppt/slides/slide13.xml><?xml version="1.0" encoding="utf-8"?>
+<p:sld xmlns:a="http://schemas.openxmlformats.org/drawingml/2006/main" xmlns:r="http://schemas.openxmlformats.org/officeDocument/2006/relationships" xmlns:p="http://schemas.openxmlformats.org/presentationml/2006/main">
+  <p:cSld>
+    <p:spTree>
+      <p:nvGrpSpPr>
+        <p:cNvPr id="1" name=""/>
+        <p:cNvGrpSpPr/>
+        <p:nvPr/>
+      </p:nvGrpSpPr>
+      <p:grpSpPr>
+        <a:xfrm>
+          <a:off x="0" y="0"/>
+          <a:ext cx="0" cy="0"/>
+          <a:chOff x="0" y="0"/>
+          <a:chExt cx="0" cy="0"/>
+        </a:xfrm>
+      </p:grpSpPr>
+      <p:sp>
+        <p:nvSpPr>
+          <p:cNvPr id="2" name="Title 1"/>
+          <p:cNvSpPr>
+            <a:spLocks noGrp="1"/>
+          </p:cNvSpPr>
+          <p:nvPr>
+            <p:ph type="title"/>
+          </p:nvPr>
+        </p:nvSpPr>
+        <p:spPr>
+          <a:xfrm>
+            <a:off x="1323704" y="618518"/>
+            <a:ext cx="9396548" cy="652934"/>
+          </a:xfrm>
+        </p:spPr>
+        <p:txBody>
+          <a:bodyPr>
+            <a:normAutofit/>
+          </a:bodyPr>
+          <a:lstStyle/>
+          <a:p>
+            <a:r>
+              <a:rPr lang="en-IN" sz="3200" dirty="0" smtClean="0">
+                <a:latin typeface="Verdana" panose="020B0604030504040204" pitchFamily="34" charset="0"/>
+                <a:ea typeface="Verdana" panose="020B0604030504040204" pitchFamily="34" charset="0"/>
+              </a:rPr>
+              <a:t>Block diagram</a:t>
+            </a:r>
+            <a:endParaRPr lang="en-IN" sz="3200" dirty="0">
+              <a:latin typeface="Verdana" panose="020B0604030504040204" pitchFamily="34" charset="0"/>
+              <a:ea typeface="Verdana" panose="020B0604030504040204" pitchFamily="34" charset="0"/>
+            </a:endParaRPr>
+          </a:p>
+        </p:txBody>
+      </p:sp>
+      <p:pic>
+        <p:nvPicPr>
+          <p:cNvPr id="5" name="Content Placeholder 4"/>
+          <p:cNvPicPr>
+            <a:picLocks noGrp="1" noChangeAspect="1"/>
+          </p:cNvPicPr>
+          <p:nvPr>
+            <p:ph sz="quarter" idx="13"/>
+          </p:nvPr>
+        </p:nvPicPr>
+        <p:blipFill>
+          <a:blip r:embed="rId2">
+            <a:extLst>
+              <a:ext uri="{28A0092B-C50C-407E-A947-70E740481C1C}">
+                <a14:useLocalDpi xmlns:a14="http://schemas.microsoft.com/office/drawing/2010/main" val="0"/>
+              </a:ext>
+            </a:extLst>
+          </a:blip>
+          <a:stretch>
+            <a:fillRect/>
+          </a:stretch>
+        </p:blipFill>
+        <p:spPr>
+          <a:xfrm>
+            <a:off x="1928949" y="1715588"/>
+            <a:ext cx="8186057" cy="4528457"/>
           </a:xfrm>
         </p:spPr>
       </p:pic>
@@ -7089,7 +7203,7 @@
 </p:sld>
 </file>
 
-<file path=ppt/slides/slide13.xml><?xml version="1.0" encoding="utf-8"?>
+<file path=ppt/slides/slide14.xml><?xml version="1.0" encoding="utf-8"?>
 <p:sld xmlns:a="http://schemas.openxmlformats.org/drawingml/2006/main" xmlns:r="http://schemas.openxmlformats.org/officeDocument/2006/relationships" xmlns:p="http://schemas.openxmlformats.org/presentationml/2006/main">
   <p:cSld>
     <p:spTree>
@@ -7144,7 +7258,7 @@
       </p:sp>
       <p:pic>
         <p:nvPicPr>
-          <p:cNvPr id="4" name="Content Placeholder 3"/>
+          <p:cNvPr id="5" name="Content Placeholder 4"/>
           <p:cNvPicPr>
             <a:picLocks noGrp="1" noChangeAspect="1"/>
           </p:cNvPicPr>
@@ -7166,8 +7280,8 @@
         </p:blipFill>
         <p:spPr>
           <a:xfrm>
-            <a:off x="2673532" y="1358536"/>
-            <a:ext cx="6226628" cy="5085805"/>
+            <a:off x="2717076" y="1114696"/>
+            <a:ext cx="6618513" cy="5503818"/>
           </a:xfrm>
         </p:spPr>
       </p:pic>
@@ -7191,7 +7305,135 @@
 </p:sld>
 </file>
 
-<file path=ppt/slides/slide14.xml><?xml version="1.0" encoding="utf-8"?>
+<file path=ppt/slides/slide15.xml><?xml version="1.0" encoding="utf-8"?>
+<p:sld xmlns:a="http://schemas.openxmlformats.org/drawingml/2006/main" xmlns:r="http://schemas.openxmlformats.org/officeDocument/2006/relationships" xmlns:p="http://schemas.openxmlformats.org/presentationml/2006/main">
+  <p:cSld>
+    <p:spTree>
+      <p:nvGrpSpPr>
+        <p:cNvPr id="1" name=""/>
+        <p:cNvGrpSpPr/>
+        <p:nvPr/>
+      </p:nvGrpSpPr>
+      <p:grpSpPr>
+        <a:xfrm>
+          <a:off x="0" y="0"/>
+          <a:ext cx="0" cy="0"/>
+          <a:chOff x="0" y="0"/>
+          <a:chExt cx="0" cy="0"/>
+        </a:xfrm>
+      </p:grpSpPr>
+      <p:sp>
+        <p:nvSpPr>
+          <p:cNvPr id="2" name="Title 1"/>
+          <p:cNvSpPr>
+            <a:spLocks noGrp="1"/>
+          </p:cNvSpPr>
+          <p:nvPr>
+            <p:ph type="title"/>
+          </p:nvPr>
+        </p:nvSpPr>
+        <p:spPr>
+          <a:xfrm>
+            <a:off x="1306285" y="453054"/>
+            <a:ext cx="9596845" cy="1053529"/>
+          </a:xfrm>
+        </p:spPr>
+        <p:txBody>
+          <a:bodyPr/>
+          <a:lstStyle/>
+          <a:p>
+            <a:r>
+              <a:rPr lang="en-IN" dirty="0" smtClean="0"/>
+              <a:t>Future enhancement</a:t>
+            </a:r>
+            <a:endParaRPr lang="en-IN" dirty="0"/>
+          </a:p>
+        </p:txBody>
+      </p:sp>
+      <p:sp>
+        <p:nvSpPr>
+          <p:cNvPr id="3" name="Content Placeholder 2"/>
+          <p:cNvSpPr>
+            <a:spLocks noGrp="1"/>
+          </p:cNvSpPr>
+          <p:nvPr>
+            <p:ph sz="quarter" idx="13"/>
+          </p:nvPr>
+        </p:nvSpPr>
+        <p:spPr>
+          <a:xfrm>
+            <a:off x="922794" y="1670406"/>
+            <a:ext cx="10363826" cy="4878440"/>
+          </a:xfrm>
+        </p:spPr>
+        <p:txBody>
+          <a:bodyPr>
+            <a:normAutofit fontScale="85000" lnSpcReduction="10000"/>
+          </a:bodyPr>
+          <a:lstStyle/>
+          <a:p>
+            <a:pPr algn="just"/>
+            <a:r>
+              <a:rPr lang="en-IN" sz="2100" dirty="0">
+                <a:latin typeface="Verdana" panose="020B0604030504040204" pitchFamily="34" charset="0"/>
+                <a:ea typeface="Verdana" panose="020B0604030504040204" pitchFamily="34" charset="0"/>
+              </a:rPr>
+              <a:t>Future enhancement of our project is to add Camouflage and LIDAR sensor to it</a:t>
+            </a:r>
+            <a:r>
+              <a:rPr lang="en-IN" sz="2100" dirty="0" smtClean="0">
+                <a:latin typeface="Verdana" panose="020B0604030504040204" pitchFamily="34" charset="0"/>
+                <a:ea typeface="Verdana" panose="020B0604030504040204" pitchFamily="34" charset="0"/>
+              </a:rPr>
+              <a:t>.</a:t>
+            </a:r>
+          </a:p>
+          <a:p>
+            <a:pPr algn="just"/>
+            <a:r>
+              <a:rPr lang="en-IN" sz="2100" dirty="0">
+                <a:latin typeface="Verdana" panose="020B0604030504040204" pitchFamily="34" charset="0"/>
+                <a:ea typeface="Verdana" panose="020B0604030504040204" pitchFamily="34" charset="0"/>
+              </a:rPr>
+              <a:t>Internet of Things is a trending concept, which can increase the benefits of the smart surveillance by allowing it to adapt to the environment according to its changes ie if the Alligator is placed in the desert, it will change according to the desert’s atmosphere. Similarly, if it is placed in snowy regions, it will adapt to that atmosphere. Also by replacing PIR sensor with LIDAR (Light Detection and Ranging), which is a remote sensing method that uses light in the form of a pulsed laser to measure ranges (variable distance) the alligator will be able to detect motion from farther distances and will be able to alert the authorities much beforehand</a:t>
+            </a:r>
+            <a:r>
+              <a:rPr lang="en-IN" sz="2100" dirty="0" smtClean="0">
+                <a:latin typeface="Verdana" panose="020B0604030504040204" pitchFamily="34" charset="0"/>
+                <a:ea typeface="Verdana" panose="020B0604030504040204" pitchFamily="34" charset="0"/>
+              </a:rPr>
+              <a:t>.</a:t>
+            </a:r>
+          </a:p>
+          <a:p>
+            <a:pPr algn="just"/>
+            <a:r>
+              <a:rPr lang="en-IN" sz="2100" dirty="0">
+                <a:latin typeface="Verdana" panose="020B0604030504040204" pitchFamily="34" charset="0"/>
+                <a:ea typeface="Verdana" panose="020B0604030504040204" pitchFamily="34" charset="0"/>
+              </a:rPr>
+              <a:t>In order to run this integrated set of hardware we can use solar panels as an alternative to the battery, which will be needed to run the alligator once it is deployed.</a:t>
+            </a:r>
+          </a:p>
+          <a:p>
+            <a:endParaRPr lang="en-IN" dirty="0"/>
+          </a:p>
+        </p:txBody>
+      </p:sp>
+    </p:spTree>
+    <p:extLst>
+      <p:ext uri="{BB962C8B-B14F-4D97-AF65-F5344CB8AC3E}">
+        <p14:creationId xmlns:p14="http://schemas.microsoft.com/office/powerpoint/2010/main" val="3813895236"/>
+      </p:ext>
+    </p:extLst>
+  </p:cSld>
+  <p:clrMapOvr>
+    <a:masterClrMapping/>
+  </p:clrMapOvr>
+</p:sld>
+</file>
+
+<file path=ppt/slides/slide16.xml><?xml version="1.0" encoding="utf-8"?>
 <p:sld xmlns:a="http://schemas.openxmlformats.org/drawingml/2006/main" xmlns:r="http://schemas.openxmlformats.org/officeDocument/2006/relationships" xmlns:p="http://schemas.openxmlformats.org/presentationml/2006/main">
   <p:cSld>
     <p:spTree>
@@ -7349,8 +7591,8 @@
         </p:nvSpPr>
         <p:spPr>
           <a:xfrm>
-            <a:off x="914399" y="1888122"/>
-            <a:ext cx="10363826" cy="4103376"/>
+            <a:off x="914399" y="2210339"/>
+            <a:ext cx="10363826" cy="3084472"/>
           </a:xfrm>
         </p:spPr>
         <p:txBody>
@@ -7359,6 +7601,7 @@
           </a:bodyPr>
           <a:lstStyle/>
           <a:p>
+            <a:pPr algn="just"/>
             <a:r>
               <a:rPr lang="en-IN" sz="1600" dirty="0">
                 <a:latin typeface="Verdana" panose="020B0604030504040204" pitchFamily="34" charset="0"/>
@@ -7375,25 +7618,40 @@
             </a:r>
           </a:p>
           <a:p>
+            <a:pPr algn="just"/>
             <a:r>
               <a:rPr lang="en-IN" sz="1600" dirty="0" smtClean="0">
                 <a:latin typeface="Verdana" panose="020B0604030504040204" pitchFamily="34" charset="0"/>
                 <a:ea typeface="Verdana" panose="020B0604030504040204" pitchFamily="34" charset="0"/>
               </a:rPr>
-              <a:t>So </a:t>
+              <a:t>Therefore, as soon </a:t>
             </a:r>
             <a:r>
               <a:rPr lang="en-IN" sz="1600" dirty="0">
                 <a:latin typeface="Verdana" panose="020B0604030504040204" pitchFamily="34" charset="0"/>
                 <a:ea typeface="Verdana" panose="020B0604030504040204" pitchFamily="34" charset="0"/>
               </a:rPr>
-              <a:t>soon as the camera detects some activity within the range, it starts recording the surrounding area</a:t>
+              <a:t>as the camera detects some activity within </a:t>
             </a:r>
             <a:r>
               <a:rPr lang="en-IN" sz="1600" dirty="0" smtClean="0">
                 <a:latin typeface="Verdana" panose="020B0604030504040204" pitchFamily="34" charset="0"/>
                 <a:ea typeface="Verdana" panose="020B0604030504040204" pitchFamily="34" charset="0"/>
               </a:rPr>
+              <a:t>its </a:t>
+            </a:r>
+            <a:r>
+              <a:rPr lang="en-IN" sz="1600" dirty="0">
+                <a:latin typeface="Verdana" panose="020B0604030504040204" pitchFamily="34" charset="0"/>
+                <a:ea typeface="Verdana" panose="020B0604030504040204" pitchFamily="34" charset="0"/>
+              </a:rPr>
+              <a:t>range, it starts recording the surrounding area</a:t>
+            </a:r>
+            <a:r>
+              <a:rPr lang="en-IN" sz="1600" dirty="0" smtClean="0">
+                <a:latin typeface="Verdana" panose="020B0604030504040204" pitchFamily="34" charset="0"/>
+                <a:ea typeface="Verdana" panose="020B0604030504040204" pitchFamily="34" charset="0"/>
+              </a:rPr>
               <a:t>.</a:t>
             </a:r>
             <a:r>
@@ -7401,62 +7659,87 @@
                 <a:latin typeface="Verdana" panose="020B0604030504040204" pitchFamily="34" charset="0"/>
                 <a:ea typeface="Verdana" panose="020B0604030504040204" pitchFamily="34" charset="0"/>
               </a:rPr>
-              <a:t> If it detects some suspicious activity, the camera will start focusing on the area under </a:t>
+              <a:t> If it detects some suspicious activity, the camera will start focusing on </a:t>
             </a:r>
             <a:r>
               <a:rPr lang="en-IN" sz="1600" dirty="0" smtClean="0">
                 <a:latin typeface="Verdana" panose="020B0604030504040204" pitchFamily="34" charset="0"/>
                 <a:ea typeface="Verdana" panose="020B0604030504040204" pitchFamily="34" charset="0"/>
               </a:rPr>
-              <a:t>suspicion.</a:t>
-            </a:r>
-          </a:p>
-          <a:p>
+              <a:t>that particular </a:t>
+            </a:r>
+            <a:r>
+              <a:rPr lang="en-IN" sz="1600" dirty="0">
+                <a:latin typeface="Verdana" panose="020B0604030504040204" pitchFamily="34" charset="0"/>
+                <a:ea typeface="Verdana" panose="020B0604030504040204" pitchFamily="34" charset="0"/>
+              </a:rPr>
+              <a:t>area under </a:t>
+            </a:r>
             <a:r>
               <a:rPr lang="en-IN" sz="1600" dirty="0" smtClean="0">
                 <a:latin typeface="Verdana" panose="020B0604030504040204" pitchFamily="34" charset="0"/>
                 <a:ea typeface="Verdana" panose="020B0604030504040204" pitchFamily="34" charset="0"/>
               </a:rPr>
-              <a:t> </a:t>
+              <a:t>suspicion</a:t>
+            </a:r>
+            <a:r>
+              <a:rPr lang="en-IN" sz="1600" dirty="0" smtClean="0">
+                <a:latin typeface="Verdana" panose="020B0604030504040204" pitchFamily="34" charset="0"/>
+                <a:ea typeface="Verdana" panose="020B0604030504040204" pitchFamily="34" charset="0"/>
+              </a:rPr>
+              <a:t>.</a:t>
+            </a:r>
+            <a:endParaRPr lang="en-IN" sz="1600" dirty="0" smtClean="0">
+              <a:latin typeface="Verdana" panose="020B0604030504040204" pitchFamily="34" charset="0"/>
+              <a:ea typeface="Verdana" panose="020B0604030504040204" pitchFamily="34" charset="0"/>
+            </a:endParaRPr>
+          </a:p>
+          <a:p>
+            <a:pPr algn="just"/>
+            <a:r>
+              <a:rPr lang="en-IN" sz="1600" dirty="0" smtClean="0">
+                <a:latin typeface="Verdana" panose="020B0604030504040204" pitchFamily="34" charset="0"/>
+                <a:ea typeface="Verdana" panose="020B0604030504040204" pitchFamily="34" charset="0"/>
+              </a:rPr>
+              <a:t>If the person is hostile, It </a:t>
             </a:r>
             <a:r>
               <a:rPr lang="en-IN" sz="1600" dirty="0">
                 <a:latin typeface="Verdana" panose="020B0604030504040204" pitchFamily="34" charset="0"/>
                 <a:ea typeface="Verdana" panose="020B0604030504040204" pitchFamily="34" charset="0"/>
               </a:rPr>
-              <a:t>The camera can also do facial recognition, match with the data stored in the database and check whether the person is hostile or not</a:t>
+              <a:t>will immediately </a:t>
             </a:r>
             <a:r>
               <a:rPr lang="en-IN" sz="1600" dirty="0" smtClean="0">
                 <a:latin typeface="Verdana" panose="020B0604030504040204" pitchFamily="34" charset="0"/>
                 <a:ea typeface="Verdana" panose="020B0604030504040204" pitchFamily="34" charset="0"/>
               </a:rPr>
+              <a:t>alert the authorities </a:t>
+            </a:r>
+            <a:r>
+              <a:rPr lang="en-IN" sz="1600" dirty="0">
+                <a:latin typeface="Verdana" panose="020B0604030504040204" pitchFamily="34" charset="0"/>
+                <a:ea typeface="Verdana" panose="020B0604030504040204" pitchFamily="34" charset="0"/>
+              </a:rPr>
+              <a:t>to take necessary actions</a:t>
+            </a:r>
+            <a:r>
+              <a:rPr lang="en-IN" sz="1600" dirty="0" smtClean="0">
+                <a:latin typeface="Verdana" panose="020B0604030504040204" pitchFamily="34" charset="0"/>
+                <a:ea typeface="Verdana" panose="020B0604030504040204" pitchFamily="34" charset="0"/>
+              </a:rPr>
               <a:t>.</a:t>
             </a:r>
           </a:p>
           <a:p>
-            <a:r>
-              <a:rPr lang="en-IN" sz="1600" dirty="0">
-                <a:latin typeface="Verdana" panose="020B0604030504040204" pitchFamily="34" charset="0"/>
-                <a:ea typeface="Verdana" panose="020B0604030504040204" pitchFamily="34" charset="0"/>
-              </a:rPr>
-              <a:t>It will immediately send the information to the authority to take necessary actions</a:t>
-            </a:r>
+            <a:pPr algn="just"/>
             <a:r>
               <a:rPr lang="en-IN" sz="1600" dirty="0" smtClean="0">
                 <a:latin typeface="Verdana" panose="020B0604030504040204" pitchFamily="34" charset="0"/>
                 <a:ea typeface="Verdana" panose="020B0604030504040204" pitchFamily="34" charset="0"/>
               </a:rPr>
-              <a:t>.</a:t>
-            </a:r>
-          </a:p>
-          <a:p>
-            <a:r>
-              <a:rPr lang="en-IN" sz="1600" dirty="0" smtClean="0">
-                <a:latin typeface="Verdana" panose="020B0604030504040204" pitchFamily="34" charset="0"/>
-                <a:ea typeface="Verdana" panose="020B0604030504040204" pitchFamily="34" charset="0"/>
-              </a:rPr>
-              <a:t>All the collected visuals will be stored on the cloud for future use.</a:t>
+              <a:t>All the collected visuals will be stored on the cloud for future reference.</a:t>
             </a:r>
           </a:p>
           <a:p>
@@ -7577,42 +7860,87 @@
           </a:bodyPr>
           <a:lstStyle/>
           <a:p>
+            <a:pPr algn="just"/>
             <a:r>
               <a:rPr lang="en-IN" sz="1600" dirty="0" smtClean="0">
                 <a:latin typeface="Verdana" panose="020B0604030504040204" pitchFamily="34" charset="0"/>
                 <a:ea typeface="Verdana" panose="020B0604030504040204" pitchFamily="34" charset="0"/>
               </a:rPr>
-              <a:t>The project is designed to alert the authorities of hostile activities going around their premises. If the device detects any motion around designed radius it warns the respective authorities by sending the email.</a:t>
-            </a:r>
-          </a:p>
-          <a:p>
+              <a:t>The project is designed to alert the authorities of hostile activities going around their premises. If the device detects any motion around designed radius it warns the respective </a:t>
+            </a:r>
             <a:r>
               <a:rPr lang="en-IN" sz="1600" dirty="0" smtClean="0">
                 <a:latin typeface="Verdana" panose="020B0604030504040204" pitchFamily="34" charset="0"/>
                 <a:ea typeface="Verdana" panose="020B0604030504040204" pitchFamily="34" charset="0"/>
               </a:rPr>
-              <a:t>Pi camera is used to detect the motion and record the activities.</a:t>
-            </a:r>
-          </a:p>
-          <a:p>
+              <a:t>authorities by activating the alarm.</a:t>
+            </a:r>
+            <a:endParaRPr lang="en-IN" sz="1600" dirty="0" smtClean="0">
+              <a:latin typeface="Verdana" panose="020B0604030504040204" pitchFamily="34" charset="0"/>
+              <a:ea typeface="Verdana" panose="020B0604030504040204" pitchFamily="34" charset="0"/>
+            </a:endParaRPr>
+          </a:p>
+          <a:p>
+            <a:pPr algn="just"/>
             <a:r>
               <a:rPr lang="en-IN" sz="1600" dirty="0" smtClean="0">
                 <a:latin typeface="Verdana" panose="020B0604030504040204" pitchFamily="34" charset="0"/>
                 <a:ea typeface="Verdana" panose="020B0604030504040204" pitchFamily="34" charset="0"/>
               </a:rPr>
-              <a:t>HC-sr04 which is an ultrasonic sensor will help in activating the camera once the intrusion is detected within a certain distance.</a:t>
-            </a:r>
-          </a:p>
-          <a:p>
+              <a:t>Pi camera is used to </a:t>
+            </a:r>
             <a:r>
               <a:rPr lang="en-IN" sz="1600" dirty="0" smtClean="0">
                 <a:latin typeface="Verdana" panose="020B0604030504040204" pitchFamily="34" charset="0"/>
                 <a:ea typeface="Verdana" panose="020B0604030504040204" pitchFamily="34" charset="0"/>
               </a:rPr>
-              <a:t>Motion detection software helps in detecting motion around the camera.</a:t>
-            </a:r>
-          </a:p>
-          <a:p>
+              <a:t>capture</a:t>
+            </a:r>
+            <a:r>
+              <a:rPr lang="en-IN" sz="1600" dirty="0" smtClean="0">
+                <a:latin typeface="Verdana" panose="020B0604030504040204" pitchFamily="34" charset="0"/>
+                <a:ea typeface="Verdana" panose="020B0604030504040204" pitchFamily="34" charset="0"/>
+              </a:rPr>
+              <a:t> </a:t>
+            </a:r>
+            <a:r>
+              <a:rPr lang="en-IN" sz="1600" dirty="0" smtClean="0">
+                <a:latin typeface="Verdana" panose="020B0604030504040204" pitchFamily="34" charset="0"/>
+                <a:ea typeface="Verdana" panose="020B0604030504040204" pitchFamily="34" charset="0"/>
+              </a:rPr>
+              <a:t>the </a:t>
+            </a:r>
+            <a:r>
+              <a:rPr lang="en-IN" sz="1600" dirty="0" smtClean="0">
+                <a:latin typeface="Verdana" panose="020B0604030504040204" pitchFamily="34" charset="0"/>
+                <a:ea typeface="Verdana" panose="020B0604030504040204" pitchFamily="34" charset="0"/>
+              </a:rPr>
+              <a:t>activity </a:t>
+            </a:r>
+            <a:r>
+              <a:rPr lang="en-IN" sz="1600" dirty="0" smtClean="0">
+                <a:latin typeface="Verdana" panose="020B0604030504040204" pitchFamily="34" charset="0"/>
+                <a:ea typeface="Verdana" panose="020B0604030504040204" pitchFamily="34" charset="0"/>
+              </a:rPr>
+              <a:t>and analyse the surroundings.</a:t>
+            </a:r>
+            <a:endParaRPr lang="en-IN" sz="1600" dirty="0" smtClean="0">
+              <a:latin typeface="Verdana" panose="020B0604030504040204" pitchFamily="34" charset="0"/>
+              <a:ea typeface="Verdana" panose="020B0604030504040204" pitchFamily="34" charset="0"/>
+            </a:endParaRPr>
+          </a:p>
+          <a:p>
+            <a:pPr algn="just"/>
+            <a:r>
+              <a:rPr lang="en-IN" sz="1600" dirty="0" smtClean="0">
+                <a:latin typeface="Verdana" panose="020B0604030504040204" pitchFamily="34" charset="0"/>
+                <a:ea typeface="Verdana" panose="020B0604030504040204" pitchFamily="34" charset="0"/>
+              </a:rPr>
+              <a:t>PIR which is an Passive infrared sensor will help in activating the camera once the intrusion is detected within a certain distance.</a:t>
+            </a:r>
+          </a:p>
+          <a:p>
+            <a:pPr algn="just"/>
             <a:r>
               <a:rPr lang="en-IN" sz="1600" dirty="0" smtClean="0">
                 <a:latin typeface="Verdana" panose="020B0604030504040204" pitchFamily="34" charset="0"/>
@@ -7714,8 +8042,8 @@
         </p:nvSpPr>
         <p:spPr>
           <a:xfrm>
-            <a:off x="913774" y="1565903"/>
-            <a:ext cx="10363826" cy="4486554"/>
+            <a:off x="913774" y="2271298"/>
+            <a:ext cx="10363826" cy="3162851"/>
           </a:xfrm>
         </p:spPr>
         <p:txBody>
@@ -7724,6 +8052,7 @@
           </a:bodyPr>
           <a:lstStyle/>
           <a:p>
+            <a:pPr algn="just"/>
             <a:r>
               <a:rPr lang="en-IN" sz="1600" dirty="0" smtClean="0">
                 <a:latin typeface="Verdana" panose="020B0604030504040204" pitchFamily="34" charset="0"/>
@@ -7733,6 +8062,7 @@
             </a:r>
           </a:p>
           <a:p>
+            <a:pPr algn="just"/>
             <a:r>
               <a:rPr lang="en-IN" sz="1600" dirty="0" smtClean="0">
                 <a:latin typeface="Verdana" panose="020B0604030504040204" pitchFamily="34" charset="0"/>
@@ -7742,21 +8072,62 @@
             </a:r>
           </a:p>
           <a:p>
+            <a:pPr algn="just"/>
             <a:r>
               <a:rPr lang="en-IN" sz="1600" dirty="0" smtClean="0">
                 <a:latin typeface="Verdana" panose="020B0604030504040204" pitchFamily="34" charset="0"/>
                 <a:ea typeface="Verdana" panose="020B0604030504040204" pitchFamily="34" charset="0"/>
               </a:rPr>
-              <a:t>These problems can be tackled by implementing motion detection and ultrasonic which will give accurate readings.</a:t>
-            </a:r>
-          </a:p>
-          <a:p>
+              <a:t>These problems can be tackled by implementing </a:t>
+            </a:r>
             <a:r>
               <a:rPr lang="en-IN" sz="1600" dirty="0" smtClean="0">
                 <a:latin typeface="Verdana" panose="020B0604030504040204" pitchFamily="34" charset="0"/>
                 <a:ea typeface="Verdana" panose="020B0604030504040204" pitchFamily="34" charset="0"/>
               </a:rPr>
-              <a:t>Along with these sensors the authorities will be notified of any threat in the premises</a:t>
+              <a:t>PIR Sensor </a:t>
+            </a:r>
+            <a:r>
+              <a:rPr lang="en-IN" sz="1600" dirty="0" smtClean="0">
+                <a:latin typeface="Verdana" panose="020B0604030504040204" pitchFamily="34" charset="0"/>
+                <a:ea typeface="Verdana" panose="020B0604030504040204" pitchFamily="34" charset="0"/>
+              </a:rPr>
+              <a:t>which </a:t>
+            </a:r>
+            <a:r>
+              <a:rPr lang="en-IN" sz="1600" dirty="0" smtClean="0">
+                <a:latin typeface="Verdana" panose="020B0604030504040204" pitchFamily="34" charset="0"/>
+                <a:ea typeface="Verdana" panose="020B0604030504040204" pitchFamily="34" charset="0"/>
+              </a:rPr>
+              <a:t>will </a:t>
+            </a:r>
+            <a:r>
+              <a:rPr lang="en-IN" sz="1600" dirty="0" smtClean="0">
+                <a:latin typeface="Verdana" panose="020B0604030504040204" pitchFamily="34" charset="0"/>
+                <a:ea typeface="Verdana" panose="020B0604030504040204" pitchFamily="34" charset="0"/>
+              </a:rPr>
+              <a:t>alert the authorities once intrusion is detected.</a:t>
+            </a:r>
+            <a:endParaRPr lang="en-IN" sz="1600" dirty="0" smtClean="0">
+              <a:latin typeface="Verdana" panose="020B0604030504040204" pitchFamily="34" charset="0"/>
+              <a:ea typeface="Verdana" panose="020B0604030504040204" pitchFamily="34" charset="0"/>
+            </a:endParaRPr>
+          </a:p>
+          <a:p>
+            <a:pPr algn="just"/>
+            <a:r>
+              <a:rPr lang="en-IN" sz="1600" dirty="0" smtClean="0">
+                <a:latin typeface="Verdana" panose="020B0604030504040204" pitchFamily="34" charset="0"/>
+                <a:ea typeface="Verdana" panose="020B0604030504040204" pitchFamily="34" charset="0"/>
+              </a:rPr>
+              <a:t>Along with these sensors the authorities will be notified of any threat in the </a:t>
+            </a:r>
+            <a:r>
+              <a:rPr lang="en-IN" sz="1600" dirty="0" smtClean="0">
+                <a:latin typeface="Verdana" panose="020B0604030504040204" pitchFamily="34" charset="0"/>
+                <a:ea typeface="Verdana" panose="020B0604030504040204" pitchFamily="34" charset="0"/>
+              </a:rPr>
+              <a:t>premises by activating the alarm.</a:t>
             </a:r>
             <a:endParaRPr lang="en-IN" sz="1600" dirty="0">
               <a:latin typeface="Verdana" panose="020B0604030504040204" pitchFamily="34" charset="0"/>
@@ -8072,6 +8443,7 @@
             </a:lvl9pPr>
           </a:lstStyle>
           <a:p>
+            <a:pPr algn="just"/>
             <a:r>
               <a:rPr lang="en-US" sz="2200" b="1" dirty="0" smtClean="0">
                 <a:latin typeface="Verdana" panose="020B0604030504040204" pitchFamily="34" charset="0"/>
@@ -8081,7 +8453,7 @@
             </a:r>
           </a:p>
           <a:p>
-            <a:pPr lvl="1"/>
+            <a:pPr lvl="1" algn="just"/>
             <a:r>
               <a:rPr lang="en-US" dirty="0" smtClean="0">
                 <a:latin typeface="Verdana" panose="020B0604030504040204" pitchFamily="34" charset="0"/>
@@ -8091,7 +8463,7 @@
             </a:r>
           </a:p>
           <a:p>
-            <a:pPr lvl="1"/>
+            <a:pPr lvl="1" algn="just"/>
             <a:r>
               <a:rPr lang="en-US" b="1" dirty="0" smtClean="0">
                 <a:latin typeface="Verdana" panose="020B0604030504040204" pitchFamily="34" charset="0"/>
@@ -8104,20 +8476,39 @@
                 <a:latin typeface="Verdana" panose="020B0604030504040204" pitchFamily="34" charset="0"/>
                 <a:ea typeface="Verdana" panose="020B0604030504040204" pitchFamily="34" charset="0"/>
               </a:rPr>
-              <a:t>Python 3, WordPress</a:t>
-            </a:r>
-          </a:p>
-          <a:p>
-            <a:pPr lvl="1"/>
+              <a:t>Python </a:t>
+            </a:r>
             <a:r>
               <a:rPr lang="en-US" dirty="0" smtClean="0">
                 <a:latin typeface="Verdana" panose="020B0604030504040204" pitchFamily="34" charset="0"/>
                 <a:ea typeface="Verdana" panose="020B0604030504040204" pitchFamily="34" charset="0"/>
               </a:rPr>
+              <a:t>3</a:t>
+            </a:r>
+            <a:r>
+              <a:rPr lang="en-US" dirty="0" smtClean="0">
+                <a:latin typeface="Verdana" panose="020B0604030504040204" pitchFamily="34" charset="0"/>
+                <a:ea typeface="Verdana" panose="020B0604030504040204" pitchFamily="34" charset="0"/>
+              </a:rPr>
+              <a:t>.7</a:t>
+            </a:r>
+            <a:endParaRPr lang="en-US" dirty="0" smtClean="0">
+              <a:latin typeface="Verdana" panose="020B0604030504040204" pitchFamily="34" charset="0"/>
+              <a:ea typeface="Verdana" panose="020B0604030504040204" pitchFamily="34" charset="0"/>
+            </a:endParaRPr>
+          </a:p>
+          <a:p>
+            <a:pPr lvl="1" algn="just"/>
+            <a:r>
+              <a:rPr lang="en-US" dirty="0" smtClean="0">
+                <a:latin typeface="Verdana" panose="020B0604030504040204" pitchFamily="34" charset="0"/>
+                <a:ea typeface="Verdana" panose="020B0604030504040204" pitchFamily="34" charset="0"/>
+              </a:rPr>
               <a:t>Dropbox</a:t>
             </a:r>
           </a:p>
           <a:p>
+            <a:pPr algn="just"/>
             <a:r>
               <a:rPr lang="en-US" sz="2200" b="1" dirty="0" smtClean="0">
                 <a:latin typeface="Verdana" panose="020B0604030504040204" pitchFamily="34" charset="0"/>
@@ -8127,7 +8518,7 @@
             </a:r>
           </a:p>
           <a:p>
-            <a:pPr lvl="1"/>
+            <a:pPr lvl="1" algn="just"/>
             <a:r>
               <a:rPr lang="en-US" dirty="0" smtClean="0">
                 <a:latin typeface="Verdana" panose="020B0604030504040204" pitchFamily="34" charset="0"/>
@@ -8137,7 +8528,7 @@
             </a:r>
           </a:p>
           <a:p>
-            <a:pPr lvl="1"/>
+            <a:pPr lvl="1" algn="just"/>
             <a:r>
               <a:rPr lang="en-US" dirty="0" smtClean="0">
                 <a:latin typeface="Verdana" panose="020B0604030504040204" pitchFamily="34" charset="0"/>
@@ -8147,7 +8538,7 @@
             </a:r>
           </a:p>
           <a:p>
-            <a:pPr lvl="1"/>
+            <a:pPr lvl="1" algn="just"/>
             <a:r>
               <a:rPr lang="en-US" dirty="0" smtClean="0">
                 <a:latin typeface="Verdana" panose="020B0604030504040204" pitchFamily="34" charset="0"/>
@@ -8157,7 +8548,17 @@
             </a:r>
           </a:p>
           <a:p>
-            <a:pPr lvl="1"/>
+            <a:pPr lvl="1" algn="just"/>
+            <a:r>
+              <a:rPr lang="en-US" dirty="0" smtClean="0">
+                <a:latin typeface="Verdana" panose="020B0604030504040204" pitchFamily="34" charset="0"/>
+                <a:ea typeface="Verdana" panose="020B0604030504040204" pitchFamily="34" charset="0"/>
+              </a:rPr>
+              <a:t>Buzzer</a:t>
+            </a:r>
+          </a:p>
+          <a:p>
+            <a:pPr lvl="1" algn="just"/>
             <a:r>
               <a:rPr lang="en-US" dirty="0" smtClean="0">
                 <a:latin typeface="Verdana" panose="020B0604030504040204" pitchFamily="34" charset="0"/>
@@ -8232,7 +8633,14 @@
                 <a:latin typeface="Verdana" panose="020B0604030504040204" pitchFamily="34" charset="0"/>
                 <a:ea typeface="Verdana" panose="020B0604030504040204" pitchFamily="34" charset="0"/>
               </a:rPr>
-              <a:t>Raspberry Pi 3 </a:t>
+              <a:t>Raspberry Pi </a:t>
+            </a:r>
+            <a:r>
+              <a:rPr lang="en" sz="3200" b="1" dirty="0" smtClean="0">
+                <a:latin typeface="Verdana" panose="020B0604030504040204" pitchFamily="34" charset="0"/>
+                <a:ea typeface="Verdana" panose="020B0604030504040204" pitchFamily="34" charset="0"/>
+              </a:rPr>
+              <a:t>3 B </a:t>
             </a:r>
             <a:endParaRPr lang="en-IN" sz="3200" dirty="0">
               <a:latin typeface="Verdana" panose="020B0604030504040204" pitchFamily="34" charset="0"/>
@@ -8263,89 +8671,92 @@
           </a:bodyPr>
           <a:lstStyle/>
           <a:p>
-            <a:r>
-              <a:rPr lang="en-IN" sz="1800" dirty="0">
+            <a:pPr algn="just"/>
+            <a:r>
+              <a:rPr lang="en-IN" dirty="0">
                 <a:latin typeface="Verdana" panose="020B0604030504040204" pitchFamily="34" charset="0"/>
                 <a:ea typeface="Verdana" panose="020B0604030504040204" pitchFamily="34" charset="0"/>
               </a:rPr>
               <a:t>The Raspberry Pi 3 Model </a:t>
             </a:r>
             <a:r>
-              <a:rPr lang="en-IN" sz="1800" dirty="0" smtClean="0">
+              <a:rPr lang="en-IN" dirty="0" smtClean="0">
                 <a:latin typeface="Verdana" panose="020B0604030504040204" pitchFamily="34" charset="0"/>
                 <a:ea typeface="Verdana" panose="020B0604030504040204" pitchFamily="34" charset="0"/>
               </a:rPr>
               <a:t>B </a:t>
             </a:r>
             <a:r>
-              <a:rPr lang="en-IN" sz="1800" dirty="0">
+              <a:rPr lang="en-IN" dirty="0">
                 <a:latin typeface="Verdana" panose="020B0604030504040204" pitchFamily="34" charset="0"/>
                 <a:ea typeface="Verdana" panose="020B0604030504040204" pitchFamily="34" charset="0"/>
               </a:rPr>
               <a:t>is the </a:t>
             </a:r>
             <a:r>
-              <a:rPr lang="en-IN" sz="1800" dirty="0" smtClean="0">
+              <a:rPr lang="en-IN" dirty="0" smtClean="0">
                 <a:latin typeface="Verdana" panose="020B0604030504040204" pitchFamily="34" charset="0"/>
                 <a:ea typeface="Verdana" panose="020B0604030504040204" pitchFamily="34" charset="0"/>
               </a:rPr>
               <a:t>earliest of the third-generation raspberry pi.</a:t>
             </a:r>
-            <a:endParaRPr lang="en-IN" sz="1800" dirty="0">
+            <a:endParaRPr lang="en-IN" dirty="0">
               <a:latin typeface="Verdana" panose="020B0604030504040204" pitchFamily="34" charset="0"/>
               <a:ea typeface="Verdana" panose="020B0604030504040204" pitchFamily="34" charset="0"/>
             </a:endParaRPr>
           </a:p>
           <a:p>
-            <a:r>
-              <a:rPr lang="en-IN" sz="1800" dirty="0">
+            <a:pPr algn="just"/>
+            <a:r>
+              <a:rPr lang="en-IN" dirty="0">
                 <a:latin typeface="Verdana" panose="020B0604030504040204" pitchFamily="34" charset="0"/>
                 <a:ea typeface="Verdana" panose="020B0604030504040204" pitchFamily="34" charset="0"/>
               </a:rPr>
               <a:t>It is powered by a </a:t>
             </a:r>
             <a:r>
-              <a:rPr lang="en-IN" sz="1800" dirty="0" smtClean="0">
+              <a:rPr lang="en-IN" dirty="0" smtClean="0">
                 <a:latin typeface="Verdana" panose="020B0604030504040204" pitchFamily="34" charset="0"/>
                 <a:ea typeface="Verdana" panose="020B0604030504040204" pitchFamily="34" charset="0"/>
               </a:rPr>
               <a:t>1.2 </a:t>
             </a:r>
             <a:r>
-              <a:rPr lang="en-IN" sz="1800" dirty="0">
+              <a:rPr lang="en-IN" dirty="0">
                 <a:latin typeface="Verdana" panose="020B0604030504040204" pitchFamily="34" charset="0"/>
                 <a:ea typeface="Verdana" panose="020B0604030504040204" pitchFamily="34" charset="0"/>
               </a:rPr>
               <a:t>GHz </a:t>
             </a:r>
             <a:r>
-              <a:rPr lang="en-IN" sz="1800" dirty="0" smtClean="0">
+              <a:rPr lang="en-IN" dirty="0" smtClean="0">
                 <a:latin typeface="Verdana" panose="020B0604030504040204" pitchFamily="34" charset="0"/>
                 <a:ea typeface="Verdana" panose="020B0604030504040204" pitchFamily="34" charset="0"/>
               </a:rPr>
               <a:t>Broadcom BCM2837 processor with BCM43438 wireless LAN.</a:t>
             </a:r>
-            <a:endParaRPr lang="en-IN" sz="1800" dirty="0">
+            <a:endParaRPr lang="en-IN" dirty="0">
               <a:latin typeface="Verdana" panose="020B0604030504040204" pitchFamily="34" charset="0"/>
               <a:ea typeface="Verdana" panose="020B0604030504040204" pitchFamily="34" charset="0"/>
             </a:endParaRPr>
           </a:p>
           <a:p>
-            <a:r>
-              <a:rPr lang="en-IN" sz="1800" dirty="0">
+            <a:pPr algn="just"/>
+            <a:r>
+              <a:rPr lang="en-IN" dirty="0">
                 <a:latin typeface="Verdana" panose="020B0604030504040204" pitchFamily="34" charset="0"/>
                 <a:ea typeface="Verdana" panose="020B0604030504040204" pitchFamily="34" charset="0"/>
               </a:rPr>
               <a:t>It also has Bluetooth </a:t>
             </a:r>
             <a:r>
-              <a:rPr lang="en-IN" sz="1800" dirty="0" smtClean="0">
+              <a:rPr lang="en-IN" dirty="0" smtClean="0">
                 <a:latin typeface="Verdana" panose="020B0604030504040204" pitchFamily="34" charset="0"/>
                 <a:ea typeface="Verdana" panose="020B0604030504040204" pitchFamily="34" charset="0"/>
               </a:rPr>
               <a:t>capabilities</a:t>
             </a:r>
-            <a:endParaRPr lang="en-IN" sz="1800" dirty="0">
+            <a:endParaRPr lang="en-IN" dirty="0">
               <a:latin typeface="Verdana" panose="020B0604030504040204" pitchFamily="34" charset="0"/>
               <a:ea typeface="Verdana" panose="020B0604030504040204" pitchFamily="34" charset="0"/>
             </a:endParaRPr>
@@ -8471,6 +8882,7 @@
           </a:bodyPr>
           <a:lstStyle/>
           <a:p>
+            <a:pPr algn="just"/>
             <a:r>
               <a:rPr lang="en-IN" dirty="0" smtClean="0">
                 <a:latin typeface="Verdana" panose="020B0604030504040204" pitchFamily="34" charset="0"/>
@@ -8480,6 +8892,7 @@
             </a:r>
           </a:p>
           <a:p>
+            <a:pPr algn="just"/>
             <a:r>
               <a:rPr lang="en-IN" dirty="0" smtClean="0">
                 <a:latin typeface="Verdana" panose="020B0604030504040204" pitchFamily="34" charset="0"/>
@@ -8622,9 +9035,12 @@
           </a:xfrm>
         </p:spPr>
         <p:txBody>
-          <a:bodyPr/>
+          <a:bodyPr>
+            <a:normAutofit/>
+          </a:bodyPr>
           <a:lstStyle/>
           <a:p>
+            <a:pPr algn="just"/>
             <a:r>
               <a:rPr lang="en-IN" dirty="0">
                 <a:latin typeface="Verdana" panose="020B0604030504040204" pitchFamily="34" charset="0"/>
@@ -8634,6 +9050,7 @@
             </a:r>
           </a:p>
           <a:p>
+            <a:pPr algn="just"/>
             <a:r>
               <a:rPr lang="en-IN" dirty="0">
                 <a:latin typeface="Verdana" panose="020B0604030504040204" pitchFamily="34" charset="0"/>
@@ -8767,17 +9184,27 @@
           </a:xfrm>
         </p:spPr>
         <p:txBody>
-          <a:bodyPr/>
+          <a:bodyPr>
+            <a:normAutofit/>
+          </a:bodyPr>
           <a:lstStyle/>
           <a:p>
-            <a:r>
-              <a:rPr lang="en-IN" dirty="0" smtClean="0"/>
+            <a:pPr algn="just"/>
+            <a:r>
+              <a:rPr lang="en-IN" dirty="0" smtClean="0">
+                <a:latin typeface="Verdana" panose="020B0604030504040204" pitchFamily="34" charset="0"/>
+                <a:ea typeface="Verdana" panose="020B0604030504040204" pitchFamily="34" charset="0"/>
+              </a:rPr>
               <a:t>Dropbox is a file hoisting service operated by the American company dropbox Inc. that offers cloud storage.</a:t>
             </a:r>
           </a:p>
           <a:p>
-            <a:r>
-              <a:rPr lang="en-IN" dirty="0" smtClean="0"/>
+            <a:pPr algn="just"/>
+            <a:r>
+              <a:rPr lang="en-IN" dirty="0" smtClean="0">
+                <a:latin typeface="Verdana" panose="020B0604030504040204" pitchFamily="34" charset="0"/>
+                <a:ea typeface="Verdana" panose="020B0604030504040204" pitchFamily="34" charset="0"/>
+              </a:rPr>
               <a:t>Dropbox helps us to store the captured images onto the cloud.</a:t>
             </a:r>
           </a:p>
